--- a/Equipo 5- STORY 1.pptx
+++ b/Equipo 5- STORY 1.pptx
@@ -61,7 +61,7 @@
       </p:grpSpPr>
       <p:sp>
         <p:nvSpPr>
-          <p:cNvPr id="28" name="PlaceHolder 1"/>
+          <p:cNvPr id="25" name="PlaceHolder 1"/>
           <p:cNvSpPr>
             <a:spLocks noGrp="1"/>
           </p:cNvSpPr>
@@ -71,8 +71,8 @@
         </p:nvSpPr>
         <p:spPr>
           <a:xfrm>
-            <a:off x="1115640" y="548640"/>
-            <a:ext cx="10167840" cy="1179360"/>
+            <a:off x="609480" y="273600"/>
+            <a:ext cx="10972440" cy="1144800"/>
           </a:xfrm>
           <a:prstGeom prst="rect">
             <a:avLst/>
@@ -83,18 +83,16 @@
             <a:noAutofit/>
           </a:bodyPr>
           <a:p>
-            <a:endParaRPr b="0" lang="es-ES" sz="1800" spc="-1" strike="noStrike">
-              <a:solidFill>
-                <a:srgbClr val="000000"/>
-              </a:solidFill>
-              <a:latin typeface="Avenir Next LT Pro"/>
-            </a:endParaRPr>
-          </a:p>
-        </p:txBody>
-      </p:sp>
-      <p:sp>
-        <p:nvSpPr>
-          <p:cNvPr id="29" name="PlaceHolder 2"/>
+            <a:pPr algn="ctr"/>
+            <a:endParaRPr b="0" lang="es-ES" sz="4400" spc="-1" strike="noStrike">
+              <a:latin typeface="Arial"/>
+            </a:endParaRPr>
+          </a:p>
+        </p:txBody>
+      </p:sp>
+      <p:sp>
+        <p:nvSpPr>
+          <p:cNvPr id="26" name="PlaceHolder 2"/>
           <p:cNvSpPr>
             <a:spLocks noGrp="1"/>
           </p:cNvSpPr>
@@ -104,8 +102,8 @@
         </p:nvSpPr>
         <p:spPr>
           <a:xfrm>
-            <a:off x="1115640" y="2477880"/>
-            <a:ext cx="10167840" cy="1761840"/>
+            <a:off x="609480" y="1604520"/>
+            <a:ext cx="10972440" cy="1896840"/>
           </a:xfrm>
           <a:prstGeom prst="rect">
             <a:avLst/>
@@ -116,18 +114,15 @@
             <a:normAutofit/>
           </a:bodyPr>
           <a:p>
-            <a:endParaRPr b="0" lang="es-ES" sz="2800" spc="-1" strike="noStrike">
-              <a:solidFill>
-                <a:srgbClr val="000000"/>
-              </a:solidFill>
-              <a:latin typeface="Avenir Next LT Pro"/>
-            </a:endParaRPr>
-          </a:p>
-        </p:txBody>
-      </p:sp>
-      <p:sp>
-        <p:nvSpPr>
-          <p:cNvPr id="30" name="PlaceHolder 3"/>
+            <a:endParaRPr b="0" lang="es-ES" sz="3200" spc="-1" strike="noStrike">
+              <a:latin typeface="Arial"/>
+            </a:endParaRPr>
+          </a:p>
+        </p:txBody>
+      </p:sp>
+      <p:sp>
+        <p:nvSpPr>
+          <p:cNvPr id="27" name="PlaceHolder 3"/>
           <p:cNvSpPr>
             <a:spLocks noGrp="1"/>
           </p:cNvSpPr>
@@ -137,8 +132,8 @@
         </p:nvSpPr>
         <p:spPr>
           <a:xfrm>
-            <a:off x="1115640" y="4407480"/>
-            <a:ext cx="10167840" cy="1761840"/>
+            <a:off x="609480" y="3682080"/>
+            <a:ext cx="10972440" cy="1896840"/>
           </a:xfrm>
           <a:prstGeom prst="rect">
             <a:avLst/>
@@ -149,11 +144,8 @@
             <a:normAutofit/>
           </a:bodyPr>
           <a:p>
-            <a:endParaRPr b="0" lang="es-ES" sz="2800" spc="-1" strike="noStrike">
-              <a:solidFill>
-                <a:srgbClr val="000000"/>
-              </a:solidFill>
-              <a:latin typeface="Avenir Next LT Pro"/>
+            <a:endParaRPr b="0" lang="es-ES" sz="3200" spc="-1" strike="noStrike">
+              <a:latin typeface="Arial"/>
             </a:endParaRPr>
           </a:p>
         </p:txBody>
@@ -182,7 +174,7 @@
       </p:grpSpPr>
       <p:sp>
         <p:nvSpPr>
-          <p:cNvPr id="31" name="PlaceHolder 1"/>
+          <p:cNvPr id="28" name="PlaceHolder 1"/>
           <p:cNvSpPr>
             <a:spLocks noGrp="1"/>
           </p:cNvSpPr>
@@ -192,8 +184,8 @@
         </p:nvSpPr>
         <p:spPr>
           <a:xfrm>
-            <a:off x="1115640" y="548640"/>
-            <a:ext cx="10167840" cy="1179360"/>
+            <a:off x="609480" y="273600"/>
+            <a:ext cx="10972440" cy="1144800"/>
           </a:xfrm>
           <a:prstGeom prst="rect">
             <a:avLst/>
@@ -204,18 +196,16 @@
             <a:noAutofit/>
           </a:bodyPr>
           <a:p>
-            <a:endParaRPr b="0" lang="es-ES" sz="1800" spc="-1" strike="noStrike">
-              <a:solidFill>
-                <a:srgbClr val="000000"/>
-              </a:solidFill>
-              <a:latin typeface="Avenir Next LT Pro"/>
-            </a:endParaRPr>
-          </a:p>
-        </p:txBody>
-      </p:sp>
-      <p:sp>
-        <p:nvSpPr>
-          <p:cNvPr id="32" name="PlaceHolder 2"/>
+            <a:pPr algn="ctr"/>
+            <a:endParaRPr b="0" lang="es-ES" sz="4400" spc="-1" strike="noStrike">
+              <a:latin typeface="Arial"/>
+            </a:endParaRPr>
+          </a:p>
+        </p:txBody>
+      </p:sp>
+      <p:sp>
+        <p:nvSpPr>
+          <p:cNvPr id="29" name="PlaceHolder 2"/>
           <p:cNvSpPr>
             <a:spLocks noGrp="1"/>
           </p:cNvSpPr>
@@ -225,8 +215,8 @@
         </p:nvSpPr>
         <p:spPr>
           <a:xfrm>
-            <a:off x="1115640" y="2477880"/>
-            <a:ext cx="4961880" cy="1761840"/>
+            <a:off x="609480" y="1604520"/>
+            <a:ext cx="5354280" cy="1896840"/>
           </a:xfrm>
           <a:prstGeom prst="rect">
             <a:avLst/>
@@ -237,18 +227,15 @@
             <a:normAutofit/>
           </a:bodyPr>
           <a:p>
-            <a:endParaRPr b="0" lang="es-ES" sz="2800" spc="-1" strike="noStrike">
-              <a:solidFill>
-                <a:srgbClr val="000000"/>
-              </a:solidFill>
-              <a:latin typeface="Avenir Next LT Pro"/>
-            </a:endParaRPr>
-          </a:p>
-        </p:txBody>
-      </p:sp>
-      <p:sp>
-        <p:nvSpPr>
-          <p:cNvPr id="33" name="PlaceHolder 3"/>
+            <a:endParaRPr b="0" lang="es-ES" sz="3200" spc="-1" strike="noStrike">
+              <a:latin typeface="Arial"/>
+            </a:endParaRPr>
+          </a:p>
+        </p:txBody>
+      </p:sp>
+      <p:sp>
+        <p:nvSpPr>
+          <p:cNvPr id="30" name="PlaceHolder 3"/>
           <p:cNvSpPr>
             <a:spLocks noGrp="1"/>
           </p:cNvSpPr>
@@ -258,8 +245,8 @@
         </p:nvSpPr>
         <p:spPr>
           <a:xfrm>
-            <a:off x="6325920" y="2477880"/>
-            <a:ext cx="4961880" cy="1761840"/>
+            <a:off x="6231960" y="1604520"/>
+            <a:ext cx="5354280" cy="1896840"/>
           </a:xfrm>
           <a:prstGeom prst="rect">
             <a:avLst/>
@@ -270,18 +257,15 @@
             <a:normAutofit/>
           </a:bodyPr>
           <a:p>
-            <a:endParaRPr b="0" lang="es-ES" sz="2800" spc="-1" strike="noStrike">
-              <a:solidFill>
-                <a:srgbClr val="000000"/>
-              </a:solidFill>
-              <a:latin typeface="Avenir Next LT Pro"/>
-            </a:endParaRPr>
-          </a:p>
-        </p:txBody>
-      </p:sp>
-      <p:sp>
-        <p:nvSpPr>
-          <p:cNvPr id="34" name="PlaceHolder 4"/>
+            <a:endParaRPr b="0" lang="es-ES" sz="3200" spc="-1" strike="noStrike">
+              <a:latin typeface="Arial"/>
+            </a:endParaRPr>
+          </a:p>
+        </p:txBody>
+      </p:sp>
+      <p:sp>
+        <p:nvSpPr>
+          <p:cNvPr id="31" name="PlaceHolder 4"/>
           <p:cNvSpPr>
             <a:spLocks noGrp="1"/>
           </p:cNvSpPr>
@@ -291,8 +275,8 @@
         </p:nvSpPr>
         <p:spPr>
           <a:xfrm>
-            <a:off x="1115640" y="4407480"/>
-            <a:ext cx="4961880" cy="1761840"/>
+            <a:off x="609480" y="3682080"/>
+            <a:ext cx="5354280" cy="1896840"/>
           </a:xfrm>
           <a:prstGeom prst="rect">
             <a:avLst/>
@@ -303,18 +287,15 @@
             <a:normAutofit/>
           </a:bodyPr>
           <a:p>
-            <a:endParaRPr b="0" lang="es-ES" sz="2800" spc="-1" strike="noStrike">
-              <a:solidFill>
-                <a:srgbClr val="000000"/>
-              </a:solidFill>
-              <a:latin typeface="Avenir Next LT Pro"/>
-            </a:endParaRPr>
-          </a:p>
-        </p:txBody>
-      </p:sp>
-      <p:sp>
-        <p:nvSpPr>
-          <p:cNvPr id="35" name="PlaceHolder 5"/>
+            <a:endParaRPr b="0" lang="es-ES" sz="3200" spc="-1" strike="noStrike">
+              <a:latin typeface="Arial"/>
+            </a:endParaRPr>
+          </a:p>
+        </p:txBody>
+      </p:sp>
+      <p:sp>
+        <p:nvSpPr>
+          <p:cNvPr id="32" name="PlaceHolder 5"/>
           <p:cNvSpPr>
             <a:spLocks noGrp="1"/>
           </p:cNvSpPr>
@@ -324,8 +305,8 @@
         </p:nvSpPr>
         <p:spPr>
           <a:xfrm>
-            <a:off x="6325920" y="4407480"/>
-            <a:ext cx="4961880" cy="1761840"/>
+            <a:off x="6231960" y="3682080"/>
+            <a:ext cx="5354280" cy="1896840"/>
           </a:xfrm>
           <a:prstGeom prst="rect">
             <a:avLst/>
@@ -336,11 +317,8 @@
             <a:normAutofit/>
           </a:bodyPr>
           <a:p>
-            <a:endParaRPr b="0" lang="es-ES" sz="2800" spc="-1" strike="noStrike">
-              <a:solidFill>
-                <a:srgbClr val="000000"/>
-              </a:solidFill>
-              <a:latin typeface="Avenir Next LT Pro"/>
+            <a:endParaRPr b="0" lang="es-ES" sz="3200" spc="-1" strike="noStrike">
+              <a:latin typeface="Arial"/>
             </a:endParaRPr>
           </a:p>
         </p:txBody>
@@ -369,7 +347,7 @@
       </p:grpSpPr>
       <p:sp>
         <p:nvSpPr>
-          <p:cNvPr id="36" name="PlaceHolder 1"/>
+          <p:cNvPr id="33" name="PlaceHolder 1"/>
           <p:cNvSpPr>
             <a:spLocks noGrp="1"/>
           </p:cNvSpPr>
@@ -379,8 +357,8 @@
         </p:nvSpPr>
         <p:spPr>
           <a:xfrm>
-            <a:off x="1115640" y="548640"/>
-            <a:ext cx="10167840" cy="1179360"/>
+            <a:off x="609480" y="273600"/>
+            <a:ext cx="10972440" cy="1144800"/>
           </a:xfrm>
           <a:prstGeom prst="rect">
             <a:avLst/>
@@ -391,18 +369,16 @@
             <a:noAutofit/>
           </a:bodyPr>
           <a:p>
-            <a:endParaRPr b="0" lang="es-ES" sz="1800" spc="-1" strike="noStrike">
-              <a:solidFill>
-                <a:srgbClr val="000000"/>
-              </a:solidFill>
-              <a:latin typeface="Avenir Next LT Pro"/>
-            </a:endParaRPr>
-          </a:p>
-        </p:txBody>
-      </p:sp>
-      <p:sp>
-        <p:nvSpPr>
-          <p:cNvPr id="37" name="PlaceHolder 2"/>
+            <a:pPr algn="ctr"/>
+            <a:endParaRPr b="0" lang="es-ES" sz="4400" spc="-1" strike="noStrike">
+              <a:latin typeface="Arial"/>
+            </a:endParaRPr>
+          </a:p>
+        </p:txBody>
+      </p:sp>
+      <p:sp>
+        <p:nvSpPr>
+          <p:cNvPr id="34" name="PlaceHolder 2"/>
           <p:cNvSpPr>
             <a:spLocks noGrp="1"/>
           </p:cNvSpPr>
@@ -412,8 +388,8 @@
         </p:nvSpPr>
         <p:spPr>
           <a:xfrm>
-            <a:off x="1115640" y="2477880"/>
-            <a:ext cx="3273840" cy="1761840"/>
+            <a:off x="609480" y="1604520"/>
+            <a:ext cx="3533040" cy="1896840"/>
           </a:xfrm>
           <a:prstGeom prst="rect">
             <a:avLst/>
@@ -424,18 +400,15 @@
             <a:normAutofit/>
           </a:bodyPr>
           <a:p>
-            <a:endParaRPr b="0" lang="es-ES" sz="2800" spc="-1" strike="noStrike">
-              <a:solidFill>
-                <a:srgbClr val="000000"/>
-              </a:solidFill>
-              <a:latin typeface="Avenir Next LT Pro"/>
-            </a:endParaRPr>
-          </a:p>
-        </p:txBody>
-      </p:sp>
-      <p:sp>
-        <p:nvSpPr>
-          <p:cNvPr id="38" name="PlaceHolder 3"/>
+            <a:endParaRPr b="0" lang="es-ES" sz="3200" spc="-1" strike="noStrike">
+              <a:latin typeface="Arial"/>
+            </a:endParaRPr>
+          </a:p>
+        </p:txBody>
+      </p:sp>
+      <p:sp>
+        <p:nvSpPr>
+          <p:cNvPr id="35" name="PlaceHolder 3"/>
           <p:cNvSpPr>
             <a:spLocks noGrp="1"/>
           </p:cNvSpPr>
@@ -445,8 +418,8 @@
         </p:nvSpPr>
         <p:spPr>
           <a:xfrm>
-            <a:off x="4553640" y="2477880"/>
-            <a:ext cx="3273840" cy="1761840"/>
+            <a:off x="4319640" y="1604520"/>
+            <a:ext cx="3533040" cy="1896840"/>
           </a:xfrm>
           <a:prstGeom prst="rect">
             <a:avLst/>
@@ -457,18 +430,15 @@
             <a:normAutofit/>
           </a:bodyPr>
           <a:p>
-            <a:endParaRPr b="0" lang="es-ES" sz="2800" spc="-1" strike="noStrike">
-              <a:solidFill>
-                <a:srgbClr val="000000"/>
-              </a:solidFill>
-              <a:latin typeface="Avenir Next LT Pro"/>
-            </a:endParaRPr>
-          </a:p>
-        </p:txBody>
-      </p:sp>
-      <p:sp>
-        <p:nvSpPr>
-          <p:cNvPr id="39" name="PlaceHolder 4"/>
+            <a:endParaRPr b="0" lang="es-ES" sz="3200" spc="-1" strike="noStrike">
+              <a:latin typeface="Arial"/>
+            </a:endParaRPr>
+          </a:p>
+        </p:txBody>
+      </p:sp>
+      <p:sp>
+        <p:nvSpPr>
+          <p:cNvPr id="36" name="PlaceHolder 4"/>
           <p:cNvSpPr>
             <a:spLocks noGrp="1"/>
           </p:cNvSpPr>
@@ -478,8 +448,8 @@
         </p:nvSpPr>
         <p:spPr>
           <a:xfrm>
-            <a:off x="7991640" y="2477880"/>
-            <a:ext cx="3273840" cy="1761840"/>
+            <a:off x="8029800" y="1604520"/>
+            <a:ext cx="3533040" cy="1896840"/>
           </a:xfrm>
           <a:prstGeom prst="rect">
             <a:avLst/>
@@ -490,18 +460,15 @@
             <a:normAutofit/>
           </a:bodyPr>
           <a:p>
-            <a:endParaRPr b="0" lang="es-ES" sz="2800" spc="-1" strike="noStrike">
-              <a:solidFill>
-                <a:srgbClr val="000000"/>
-              </a:solidFill>
-              <a:latin typeface="Avenir Next LT Pro"/>
-            </a:endParaRPr>
-          </a:p>
-        </p:txBody>
-      </p:sp>
-      <p:sp>
-        <p:nvSpPr>
-          <p:cNvPr id="40" name="PlaceHolder 5"/>
+            <a:endParaRPr b="0" lang="es-ES" sz="3200" spc="-1" strike="noStrike">
+              <a:latin typeface="Arial"/>
+            </a:endParaRPr>
+          </a:p>
+        </p:txBody>
+      </p:sp>
+      <p:sp>
+        <p:nvSpPr>
+          <p:cNvPr id="37" name="PlaceHolder 5"/>
           <p:cNvSpPr>
             <a:spLocks noGrp="1"/>
           </p:cNvSpPr>
@@ -511,8 +478,8 @@
         </p:nvSpPr>
         <p:spPr>
           <a:xfrm>
-            <a:off x="1115640" y="4407480"/>
-            <a:ext cx="3273840" cy="1761840"/>
+            <a:off x="609480" y="3682080"/>
+            <a:ext cx="3533040" cy="1896840"/>
           </a:xfrm>
           <a:prstGeom prst="rect">
             <a:avLst/>
@@ -523,18 +490,15 @@
             <a:normAutofit/>
           </a:bodyPr>
           <a:p>
-            <a:endParaRPr b="0" lang="es-ES" sz="2800" spc="-1" strike="noStrike">
-              <a:solidFill>
-                <a:srgbClr val="000000"/>
-              </a:solidFill>
-              <a:latin typeface="Avenir Next LT Pro"/>
-            </a:endParaRPr>
-          </a:p>
-        </p:txBody>
-      </p:sp>
-      <p:sp>
-        <p:nvSpPr>
-          <p:cNvPr id="41" name="PlaceHolder 6"/>
+            <a:endParaRPr b="0" lang="es-ES" sz="3200" spc="-1" strike="noStrike">
+              <a:latin typeface="Arial"/>
+            </a:endParaRPr>
+          </a:p>
+        </p:txBody>
+      </p:sp>
+      <p:sp>
+        <p:nvSpPr>
+          <p:cNvPr id="38" name="PlaceHolder 6"/>
           <p:cNvSpPr>
             <a:spLocks noGrp="1"/>
           </p:cNvSpPr>
@@ -544,8 +508,8 @@
         </p:nvSpPr>
         <p:spPr>
           <a:xfrm>
-            <a:off x="4553640" y="4407480"/>
-            <a:ext cx="3273840" cy="1761840"/>
+            <a:off x="4319640" y="3682080"/>
+            <a:ext cx="3533040" cy="1896840"/>
           </a:xfrm>
           <a:prstGeom prst="rect">
             <a:avLst/>
@@ -556,18 +520,15 @@
             <a:normAutofit/>
           </a:bodyPr>
           <a:p>
-            <a:endParaRPr b="0" lang="es-ES" sz="2800" spc="-1" strike="noStrike">
-              <a:solidFill>
-                <a:srgbClr val="000000"/>
-              </a:solidFill>
-              <a:latin typeface="Avenir Next LT Pro"/>
-            </a:endParaRPr>
-          </a:p>
-        </p:txBody>
-      </p:sp>
-      <p:sp>
-        <p:nvSpPr>
-          <p:cNvPr id="42" name="PlaceHolder 7"/>
+            <a:endParaRPr b="0" lang="es-ES" sz="3200" spc="-1" strike="noStrike">
+              <a:latin typeface="Arial"/>
+            </a:endParaRPr>
+          </a:p>
+        </p:txBody>
+      </p:sp>
+      <p:sp>
+        <p:nvSpPr>
+          <p:cNvPr id="39" name="PlaceHolder 7"/>
           <p:cNvSpPr>
             <a:spLocks noGrp="1"/>
           </p:cNvSpPr>
@@ -577,8 +538,8 @@
         </p:nvSpPr>
         <p:spPr>
           <a:xfrm>
-            <a:off x="7991640" y="4407480"/>
-            <a:ext cx="3273840" cy="1761840"/>
+            <a:off x="8029800" y="3682080"/>
+            <a:ext cx="3533040" cy="1896840"/>
           </a:xfrm>
           <a:prstGeom prst="rect">
             <a:avLst/>
@@ -589,11 +550,8 @@
             <a:normAutofit/>
           </a:bodyPr>
           <a:p>
-            <a:endParaRPr b="0" lang="es-ES" sz="2800" spc="-1" strike="noStrike">
-              <a:solidFill>
-                <a:srgbClr val="000000"/>
-              </a:solidFill>
-              <a:latin typeface="Avenir Next LT Pro"/>
+            <a:endParaRPr b="0" lang="es-ES" sz="3200" spc="-1" strike="noStrike">
+              <a:latin typeface="Arial"/>
             </a:endParaRPr>
           </a:p>
         </p:txBody>
@@ -644,7 +602,7 @@
       </p:grpSpPr>
       <p:sp>
         <p:nvSpPr>
-          <p:cNvPr id="51" name="PlaceHolder 1"/>
+          <p:cNvPr id="45" name="PlaceHolder 1"/>
           <p:cNvSpPr>
             <a:spLocks noGrp="1"/>
           </p:cNvSpPr>
@@ -654,8 +612,8 @@
         </p:nvSpPr>
         <p:spPr>
           <a:xfrm>
-            <a:off x="1115640" y="548640"/>
-            <a:ext cx="10167840" cy="1179360"/>
+            <a:off x="609480" y="273600"/>
+            <a:ext cx="10972440" cy="1144800"/>
           </a:xfrm>
           <a:prstGeom prst="rect">
             <a:avLst/>
@@ -666,18 +624,16 @@
             <a:noAutofit/>
           </a:bodyPr>
           <a:p>
-            <a:endParaRPr b="0" lang="es-ES" sz="1800" spc="-1" strike="noStrike">
-              <a:solidFill>
-                <a:srgbClr val="000000"/>
-              </a:solidFill>
-              <a:latin typeface="Avenir Next LT Pro"/>
-            </a:endParaRPr>
-          </a:p>
-        </p:txBody>
-      </p:sp>
-      <p:sp>
-        <p:nvSpPr>
-          <p:cNvPr id="52" name="PlaceHolder 2"/>
+            <a:pPr algn="ctr"/>
+            <a:endParaRPr b="0" lang="es-ES" sz="4400" spc="-1" strike="noStrike">
+              <a:latin typeface="Arial"/>
+            </a:endParaRPr>
+          </a:p>
+        </p:txBody>
+      </p:sp>
+      <p:sp>
+        <p:nvSpPr>
+          <p:cNvPr id="46" name="PlaceHolder 2"/>
           <p:cNvSpPr>
             <a:spLocks noGrp="1"/>
           </p:cNvSpPr>
@@ -687,8 +643,8 @@
         </p:nvSpPr>
         <p:spPr>
           <a:xfrm>
-            <a:off x="1115640" y="2477880"/>
-            <a:ext cx="10167840" cy="3693960"/>
+            <a:off x="609480" y="1604520"/>
+            <a:ext cx="10972440" cy="3977280"/>
           </a:xfrm>
           <a:prstGeom prst="rect">
             <a:avLst/>
@@ -730,7 +686,7 @@
       </p:grpSpPr>
       <p:sp>
         <p:nvSpPr>
-          <p:cNvPr id="53" name="PlaceHolder 1"/>
+          <p:cNvPr id="47" name="PlaceHolder 1"/>
           <p:cNvSpPr>
             <a:spLocks noGrp="1"/>
           </p:cNvSpPr>
@@ -740,8 +696,8 @@
         </p:nvSpPr>
         <p:spPr>
           <a:xfrm>
-            <a:off x="1115640" y="548640"/>
-            <a:ext cx="10167840" cy="1179360"/>
+            <a:off x="609480" y="273600"/>
+            <a:ext cx="10972440" cy="1144800"/>
           </a:xfrm>
           <a:prstGeom prst="rect">
             <a:avLst/>
@@ -752,18 +708,16 @@
             <a:noAutofit/>
           </a:bodyPr>
           <a:p>
-            <a:endParaRPr b="0" lang="es-ES" sz="1800" spc="-1" strike="noStrike">
-              <a:solidFill>
-                <a:srgbClr val="000000"/>
-              </a:solidFill>
-              <a:latin typeface="Avenir Next LT Pro"/>
-            </a:endParaRPr>
-          </a:p>
-        </p:txBody>
-      </p:sp>
-      <p:sp>
-        <p:nvSpPr>
-          <p:cNvPr id="54" name="PlaceHolder 2"/>
+            <a:pPr algn="ctr"/>
+            <a:endParaRPr b="0" lang="es-ES" sz="4400" spc="-1" strike="noStrike">
+              <a:latin typeface="Arial"/>
+            </a:endParaRPr>
+          </a:p>
+        </p:txBody>
+      </p:sp>
+      <p:sp>
+        <p:nvSpPr>
+          <p:cNvPr id="48" name="PlaceHolder 2"/>
           <p:cNvSpPr>
             <a:spLocks noGrp="1"/>
           </p:cNvSpPr>
@@ -773,8 +727,8 @@
         </p:nvSpPr>
         <p:spPr>
           <a:xfrm>
-            <a:off x="1115640" y="2477880"/>
-            <a:ext cx="10167840" cy="3693960"/>
+            <a:off x="609480" y="1604520"/>
+            <a:ext cx="10972440" cy="3977280"/>
           </a:xfrm>
           <a:prstGeom prst="rect">
             <a:avLst/>
@@ -785,11 +739,8 @@
             <a:normAutofit/>
           </a:bodyPr>
           <a:p>
-            <a:endParaRPr b="0" lang="es-ES" sz="2800" spc="-1" strike="noStrike">
-              <a:solidFill>
-                <a:srgbClr val="000000"/>
-              </a:solidFill>
-              <a:latin typeface="Avenir Next LT Pro"/>
+            <a:endParaRPr b="0" lang="es-ES" sz="3200" spc="-1" strike="noStrike">
+              <a:latin typeface="Arial"/>
             </a:endParaRPr>
           </a:p>
         </p:txBody>
@@ -818,7 +769,7 @@
       </p:grpSpPr>
       <p:sp>
         <p:nvSpPr>
-          <p:cNvPr id="55" name="PlaceHolder 1"/>
+          <p:cNvPr id="49" name="PlaceHolder 1"/>
           <p:cNvSpPr>
             <a:spLocks noGrp="1"/>
           </p:cNvSpPr>
@@ -828,8 +779,8 @@
         </p:nvSpPr>
         <p:spPr>
           <a:xfrm>
-            <a:off x="1115640" y="548640"/>
-            <a:ext cx="10167840" cy="1179360"/>
+            <a:off x="609480" y="273600"/>
+            <a:ext cx="10972440" cy="1144800"/>
           </a:xfrm>
           <a:prstGeom prst="rect">
             <a:avLst/>
@@ -840,18 +791,16 @@
             <a:noAutofit/>
           </a:bodyPr>
           <a:p>
-            <a:endParaRPr b="0" lang="es-ES" sz="1800" spc="-1" strike="noStrike">
-              <a:solidFill>
-                <a:srgbClr val="000000"/>
-              </a:solidFill>
-              <a:latin typeface="Avenir Next LT Pro"/>
-            </a:endParaRPr>
-          </a:p>
-        </p:txBody>
-      </p:sp>
-      <p:sp>
-        <p:nvSpPr>
-          <p:cNvPr id="56" name="PlaceHolder 2"/>
+            <a:pPr algn="ctr"/>
+            <a:endParaRPr b="0" lang="es-ES" sz="4400" spc="-1" strike="noStrike">
+              <a:latin typeface="Arial"/>
+            </a:endParaRPr>
+          </a:p>
+        </p:txBody>
+      </p:sp>
+      <p:sp>
+        <p:nvSpPr>
+          <p:cNvPr id="50" name="PlaceHolder 2"/>
           <p:cNvSpPr>
             <a:spLocks noGrp="1"/>
           </p:cNvSpPr>
@@ -861,8 +810,8 @@
         </p:nvSpPr>
         <p:spPr>
           <a:xfrm>
-            <a:off x="1115640" y="2477880"/>
-            <a:ext cx="4961880" cy="3693960"/>
+            <a:off x="609480" y="1604520"/>
+            <a:ext cx="5354280" cy="3977280"/>
           </a:xfrm>
           <a:prstGeom prst="rect">
             <a:avLst/>
@@ -873,18 +822,15 @@
             <a:normAutofit/>
           </a:bodyPr>
           <a:p>
-            <a:endParaRPr b="0" lang="es-ES" sz="2800" spc="-1" strike="noStrike">
-              <a:solidFill>
-                <a:srgbClr val="000000"/>
-              </a:solidFill>
-              <a:latin typeface="Avenir Next LT Pro"/>
-            </a:endParaRPr>
-          </a:p>
-        </p:txBody>
-      </p:sp>
-      <p:sp>
-        <p:nvSpPr>
-          <p:cNvPr id="57" name="PlaceHolder 3"/>
+            <a:endParaRPr b="0" lang="es-ES" sz="3200" spc="-1" strike="noStrike">
+              <a:latin typeface="Arial"/>
+            </a:endParaRPr>
+          </a:p>
+        </p:txBody>
+      </p:sp>
+      <p:sp>
+        <p:nvSpPr>
+          <p:cNvPr id="51" name="PlaceHolder 3"/>
           <p:cNvSpPr>
             <a:spLocks noGrp="1"/>
           </p:cNvSpPr>
@@ -894,8 +840,8 @@
         </p:nvSpPr>
         <p:spPr>
           <a:xfrm>
-            <a:off x="6325920" y="2477880"/>
-            <a:ext cx="4961880" cy="3693960"/>
+            <a:off x="6231960" y="1604520"/>
+            <a:ext cx="5354280" cy="3977280"/>
           </a:xfrm>
           <a:prstGeom prst="rect">
             <a:avLst/>
@@ -906,11 +852,8 @@
             <a:normAutofit/>
           </a:bodyPr>
           <a:p>
-            <a:endParaRPr b="0" lang="es-ES" sz="2800" spc="-1" strike="noStrike">
-              <a:solidFill>
-                <a:srgbClr val="000000"/>
-              </a:solidFill>
-              <a:latin typeface="Avenir Next LT Pro"/>
+            <a:endParaRPr b="0" lang="es-ES" sz="3200" spc="-1" strike="noStrike">
+              <a:latin typeface="Arial"/>
             </a:endParaRPr>
           </a:p>
         </p:txBody>
@@ -939,7 +882,7 @@
       </p:grpSpPr>
       <p:sp>
         <p:nvSpPr>
-          <p:cNvPr id="58" name="PlaceHolder 1"/>
+          <p:cNvPr id="52" name="PlaceHolder 1"/>
           <p:cNvSpPr>
             <a:spLocks noGrp="1"/>
           </p:cNvSpPr>
@@ -949,8 +892,8 @@
         </p:nvSpPr>
         <p:spPr>
           <a:xfrm>
-            <a:off x="1115640" y="548640"/>
-            <a:ext cx="10167840" cy="1179360"/>
+            <a:off x="609480" y="273600"/>
+            <a:ext cx="10972440" cy="1144800"/>
           </a:xfrm>
           <a:prstGeom prst="rect">
             <a:avLst/>
@@ -961,11 +904,9 @@
             <a:noAutofit/>
           </a:bodyPr>
           <a:p>
-            <a:endParaRPr b="0" lang="es-ES" sz="1800" spc="-1" strike="noStrike">
-              <a:solidFill>
-                <a:srgbClr val="000000"/>
-              </a:solidFill>
-              <a:latin typeface="Avenir Next LT Pro"/>
+            <a:pPr algn="ctr"/>
+            <a:endParaRPr b="0" lang="es-ES" sz="4400" spc="-1" strike="noStrike">
+              <a:latin typeface="Arial"/>
             </a:endParaRPr>
           </a:p>
         </p:txBody>
@@ -994,7 +935,7 @@
       </p:grpSpPr>
       <p:sp>
         <p:nvSpPr>
-          <p:cNvPr id="59" name="PlaceHolder 1"/>
+          <p:cNvPr id="53" name="PlaceHolder 1"/>
           <p:cNvSpPr>
             <a:spLocks noGrp="1"/>
           </p:cNvSpPr>
@@ -1004,8 +945,8 @@
         </p:nvSpPr>
         <p:spPr>
           <a:xfrm>
-            <a:off x="1115640" y="548640"/>
-            <a:ext cx="10167840" cy="5468040"/>
+            <a:off x="609480" y="273600"/>
+            <a:ext cx="10972440" cy="5307840"/>
           </a:xfrm>
           <a:prstGeom prst="rect">
             <a:avLst/>
@@ -1047,7 +988,7 @@
       </p:grpSpPr>
       <p:sp>
         <p:nvSpPr>
-          <p:cNvPr id="60" name="PlaceHolder 1"/>
+          <p:cNvPr id="54" name="PlaceHolder 1"/>
           <p:cNvSpPr>
             <a:spLocks noGrp="1"/>
           </p:cNvSpPr>
@@ -1057,8 +998,8 @@
         </p:nvSpPr>
         <p:spPr>
           <a:xfrm>
-            <a:off x="1115640" y="548640"/>
-            <a:ext cx="10167840" cy="1179360"/>
+            <a:off x="609480" y="273600"/>
+            <a:ext cx="10972440" cy="1144800"/>
           </a:xfrm>
           <a:prstGeom prst="rect">
             <a:avLst/>
@@ -1069,18 +1010,16 @@
             <a:noAutofit/>
           </a:bodyPr>
           <a:p>
-            <a:endParaRPr b="0" lang="es-ES" sz="1800" spc="-1" strike="noStrike">
-              <a:solidFill>
-                <a:srgbClr val="000000"/>
-              </a:solidFill>
-              <a:latin typeface="Avenir Next LT Pro"/>
-            </a:endParaRPr>
-          </a:p>
-        </p:txBody>
-      </p:sp>
-      <p:sp>
-        <p:nvSpPr>
-          <p:cNvPr id="61" name="PlaceHolder 2"/>
+            <a:pPr algn="ctr"/>
+            <a:endParaRPr b="0" lang="es-ES" sz="4400" spc="-1" strike="noStrike">
+              <a:latin typeface="Arial"/>
+            </a:endParaRPr>
+          </a:p>
+        </p:txBody>
+      </p:sp>
+      <p:sp>
+        <p:nvSpPr>
+          <p:cNvPr id="55" name="PlaceHolder 2"/>
           <p:cNvSpPr>
             <a:spLocks noGrp="1"/>
           </p:cNvSpPr>
@@ -1090,8 +1029,8 @@
         </p:nvSpPr>
         <p:spPr>
           <a:xfrm>
-            <a:off x="1115640" y="2477880"/>
-            <a:ext cx="4961880" cy="1761840"/>
+            <a:off x="609480" y="1604520"/>
+            <a:ext cx="5354280" cy="1896840"/>
           </a:xfrm>
           <a:prstGeom prst="rect">
             <a:avLst/>
@@ -1102,18 +1041,15 @@
             <a:normAutofit/>
           </a:bodyPr>
           <a:p>
-            <a:endParaRPr b="0" lang="es-ES" sz="2800" spc="-1" strike="noStrike">
-              <a:solidFill>
-                <a:srgbClr val="000000"/>
-              </a:solidFill>
-              <a:latin typeface="Avenir Next LT Pro"/>
-            </a:endParaRPr>
-          </a:p>
-        </p:txBody>
-      </p:sp>
-      <p:sp>
-        <p:nvSpPr>
-          <p:cNvPr id="62" name="PlaceHolder 3"/>
+            <a:endParaRPr b="0" lang="es-ES" sz="3200" spc="-1" strike="noStrike">
+              <a:latin typeface="Arial"/>
+            </a:endParaRPr>
+          </a:p>
+        </p:txBody>
+      </p:sp>
+      <p:sp>
+        <p:nvSpPr>
+          <p:cNvPr id="56" name="PlaceHolder 3"/>
           <p:cNvSpPr>
             <a:spLocks noGrp="1"/>
           </p:cNvSpPr>
@@ -1123,8 +1059,8 @@
         </p:nvSpPr>
         <p:spPr>
           <a:xfrm>
-            <a:off x="6325920" y="2477880"/>
-            <a:ext cx="4961880" cy="3693960"/>
+            <a:off x="6231960" y="1604520"/>
+            <a:ext cx="5354280" cy="3977280"/>
           </a:xfrm>
           <a:prstGeom prst="rect">
             <a:avLst/>
@@ -1135,18 +1071,15 @@
             <a:normAutofit/>
           </a:bodyPr>
           <a:p>
-            <a:endParaRPr b="0" lang="es-ES" sz="2800" spc="-1" strike="noStrike">
-              <a:solidFill>
-                <a:srgbClr val="000000"/>
-              </a:solidFill>
-              <a:latin typeface="Avenir Next LT Pro"/>
-            </a:endParaRPr>
-          </a:p>
-        </p:txBody>
-      </p:sp>
-      <p:sp>
-        <p:nvSpPr>
-          <p:cNvPr id="63" name="PlaceHolder 4"/>
+            <a:endParaRPr b="0" lang="es-ES" sz="3200" spc="-1" strike="noStrike">
+              <a:latin typeface="Arial"/>
+            </a:endParaRPr>
+          </a:p>
+        </p:txBody>
+      </p:sp>
+      <p:sp>
+        <p:nvSpPr>
+          <p:cNvPr id="57" name="PlaceHolder 4"/>
           <p:cNvSpPr>
             <a:spLocks noGrp="1"/>
           </p:cNvSpPr>
@@ -1156,8 +1089,8 @@
         </p:nvSpPr>
         <p:spPr>
           <a:xfrm>
-            <a:off x="1115640" y="4407480"/>
-            <a:ext cx="4961880" cy="1761840"/>
+            <a:off x="609480" y="3682080"/>
+            <a:ext cx="5354280" cy="1896840"/>
           </a:xfrm>
           <a:prstGeom prst="rect">
             <a:avLst/>
@@ -1168,11 +1101,8 @@
             <a:normAutofit/>
           </a:bodyPr>
           <a:p>
-            <a:endParaRPr b="0" lang="es-ES" sz="2800" spc="-1" strike="noStrike">
-              <a:solidFill>
-                <a:srgbClr val="000000"/>
-              </a:solidFill>
-              <a:latin typeface="Avenir Next LT Pro"/>
+            <a:endParaRPr b="0" lang="es-ES" sz="3200" spc="-1" strike="noStrike">
+              <a:latin typeface="Arial"/>
             </a:endParaRPr>
           </a:p>
         </p:txBody>
@@ -1201,7 +1131,7 @@
       </p:grpSpPr>
       <p:sp>
         <p:nvSpPr>
-          <p:cNvPr id="7" name="PlaceHolder 1"/>
+          <p:cNvPr id="4" name="PlaceHolder 1"/>
           <p:cNvSpPr>
             <a:spLocks noGrp="1"/>
           </p:cNvSpPr>
@@ -1211,8 +1141,8 @@
         </p:nvSpPr>
         <p:spPr>
           <a:xfrm>
-            <a:off x="1115640" y="548640"/>
-            <a:ext cx="10167840" cy="1179360"/>
+            <a:off x="609480" y="273600"/>
+            <a:ext cx="10972440" cy="1144800"/>
           </a:xfrm>
           <a:prstGeom prst="rect">
             <a:avLst/>
@@ -1223,18 +1153,16 @@
             <a:noAutofit/>
           </a:bodyPr>
           <a:p>
-            <a:endParaRPr b="0" lang="es-ES" sz="1800" spc="-1" strike="noStrike">
-              <a:solidFill>
-                <a:srgbClr val="000000"/>
-              </a:solidFill>
-              <a:latin typeface="Avenir Next LT Pro"/>
-            </a:endParaRPr>
-          </a:p>
-        </p:txBody>
-      </p:sp>
-      <p:sp>
-        <p:nvSpPr>
-          <p:cNvPr id="8" name="PlaceHolder 2"/>
+            <a:pPr algn="ctr"/>
+            <a:endParaRPr b="0" lang="es-ES" sz="4400" spc="-1" strike="noStrike">
+              <a:latin typeface="Arial"/>
+            </a:endParaRPr>
+          </a:p>
+        </p:txBody>
+      </p:sp>
+      <p:sp>
+        <p:nvSpPr>
+          <p:cNvPr id="5" name="PlaceHolder 2"/>
           <p:cNvSpPr>
             <a:spLocks noGrp="1"/>
           </p:cNvSpPr>
@@ -1244,8 +1172,8 @@
         </p:nvSpPr>
         <p:spPr>
           <a:xfrm>
-            <a:off x="1115640" y="2477880"/>
-            <a:ext cx="10167840" cy="3693960"/>
+            <a:off x="609480" y="1604520"/>
+            <a:ext cx="10972440" cy="3977280"/>
           </a:xfrm>
           <a:prstGeom prst="rect">
             <a:avLst/>
@@ -1287,7 +1215,7 @@
       </p:grpSpPr>
       <p:sp>
         <p:nvSpPr>
-          <p:cNvPr id="64" name="PlaceHolder 1"/>
+          <p:cNvPr id="58" name="PlaceHolder 1"/>
           <p:cNvSpPr>
             <a:spLocks noGrp="1"/>
           </p:cNvSpPr>
@@ -1297,8 +1225,8 @@
         </p:nvSpPr>
         <p:spPr>
           <a:xfrm>
-            <a:off x="1115640" y="548640"/>
-            <a:ext cx="10167840" cy="1179360"/>
+            <a:off x="609480" y="273600"/>
+            <a:ext cx="10972440" cy="1144800"/>
           </a:xfrm>
           <a:prstGeom prst="rect">
             <a:avLst/>
@@ -1309,18 +1237,16 @@
             <a:noAutofit/>
           </a:bodyPr>
           <a:p>
-            <a:endParaRPr b="0" lang="es-ES" sz="1800" spc="-1" strike="noStrike">
-              <a:solidFill>
-                <a:srgbClr val="000000"/>
-              </a:solidFill>
-              <a:latin typeface="Avenir Next LT Pro"/>
-            </a:endParaRPr>
-          </a:p>
-        </p:txBody>
-      </p:sp>
-      <p:sp>
-        <p:nvSpPr>
-          <p:cNvPr id="65" name="PlaceHolder 2"/>
+            <a:pPr algn="ctr"/>
+            <a:endParaRPr b="0" lang="es-ES" sz="4400" spc="-1" strike="noStrike">
+              <a:latin typeface="Arial"/>
+            </a:endParaRPr>
+          </a:p>
+        </p:txBody>
+      </p:sp>
+      <p:sp>
+        <p:nvSpPr>
+          <p:cNvPr id="59" name="PlaceHolder 2"/>
           <p:cNvSpPr>
             <a:spLocks noGrp="1"/>
           </p:cNvSpPr>
@@ -1330,8 +1256,8 @@
         </p:nvSpPr>
         <p:spPr>
           <a:xfrm>
-            <a:off x="1115640" y="2477880"/>
-            <a:ext cx="4961880" cy="3693960"/>
+            <a:off x="609480" y="1604520"/>
+            <a:ext cx="5354280" cy="3977280"/>
           </a:xfrm>
           <a:prstGeom prst="rect">
             <a:avLst/>
@@ -1342,18 +1268,15 @@
             <a:normAutofit/>
           </a:bodyPr>
           <a:p>
-            <a:endParaRPr b="0" lang="es-ES" sz="2800" spc="-1" strike="noStrike">
-              <a:solidFill>
-                <a:srgbClr val="000000"/>
-              </a:solidFill>
-              <a:latin typeface="Avenir Next LT Pro"/>
-            </a:endParaRPr>
-          </a:p>
-        </p:txBody>
-      </p:sp>
-      <p:sp>
-        <p:nvSpPr>
-          <p:cNvPr id="66" name="PlaceHolder 3"/>
+            <a:endParaRPr b="0" lang="es-ES" sz="3200" spc="-1" strike="noStrike">
+              <a:latin typeface="Arial"/>
+            </a:endParaRPr>
+          </a:p>
+        </p:txBody>
+      </p:sp>
+      <p:sp>
+        <p:nvSpPr>
+          <p:cNvPr id="60" name="PlaceHolder 3"/>
           <p:cNvSpPr>
             <a:spLocks noGrp="1"/>
           </p:cNvSpPr>
@@ -1363,8 +1286,8 @@
         </p:nvSpPr>
         <p:spPr>
           <a:xfrm>
-            <a:off x="6325920" y="2477880"/>
-            <a:ext cx="4961880" cy="1761840"/>
+            <a:off x="6231960" y="1604520"/>
+            <a:ext cx="5354280" cy="1896840"/>
           </a:xfrm>
           <a:prstGeom prst="rect">
             <a:avLst/>
@@ -1375,18 +1298,15 @@
             <a:normAutofit/>
           </a:bodyPr>
           <a:p>
-            <a:endParaRPr b="0" lang="es-ES" sz="2800" spc="-1" strike="noStrike">
-              <a:solidFill>
-                <a:srgbClr val="000000"/>
-              </a:solidFill>
-              <a:latin typeface="Avenir Next LT Pro"/>
-            </a:endParaRPr>
-          </a:p>
-        </p:txBody>
-      </p:sp>
-      <p:sp>
-        <p:nvSpPr>
-          <p:cNvPr id="67" name="PlaceHolder 4"/>
+            <a:endParaRPr b="0" lang="es-ES" sz="3200" spc="-1" strike="noStrike">
+              <a:latin typeface="Arial"/>
+            </a:endParaRPr>
+          </a:p>
+        </p:txBody>
+      </p:sp>
+      <p:sp>
+        <p:nvSpPr>
+          <p:cNvPr id="61" name="PlaceHolder 4"/>
           <p:cNvSpPr>
             <a:spLocks noGrp="1"/>
           </p:cNvSpPr>
@@ -1396,8 +1316,8 @@
         </p:nvSpPr>
         <p:spPr>
           <a:xfrm>
-            <a:off x="6325920" y="4407480"/>
-            <a:ext cx="4961880" cy="1761840"/>
+            <a:off x="6231960" y="3682080"/>
+            <a:ext cx="5354280" cy="1896840"/>
           </a:xfrm>
           <a:prstGeom prst="rect">
             <a:avLst/>
@@ -1408,11 +1328,8 @@
             <a:normAutofit/>
           </a:bodyPr>
           <a:p>
-            <a:endParaRPr b="0" lang="es-ES" sz="2800" spc="-1" strike="noStrike">
-              <a:solidFill>
-                <a:srgbClr val="000000"/>
-              </a:solidFill>
-              <a:latin typeface="Avenir Next LT Pro"/>
+            <a:endParaRPr b="0" lang="es-ES" sz="3200" spc="-1" strike="noStrike">
+              <a:latin typeface="Arial"/>
             </a:endParaRPr>
           </a:p>
         </p:txBody>
@@ -1441,7 +1358,7 @@
       </p:grpSpPr>
       <p:sp>
         <p:nvSpPr>
-          <p:cNvPr id="68" name="PlaceHolder 1"/>
+          <p:cNvPr id="62" name="PlaceHolder 1"/>
           <p:cNvSpPr>
             <a:spLocks noGrp="1"/>
           </p:cNvSpPr>
@@ -1451,8 +1368,8 @@
         </p:nvSpPr>
         <p:spPr>
           <a:xfrm>
-            <a:off x="1115640" y="548640"/>
-            <a:ext cx="10167840" cy="1179360"/>
+            <a:off x="609480" y="273600"/>
+            <a:ext cx="10972440" cy="1144800"/>
           </a:xfrm>
           <a:prstGeom prst="rect">
             <a:avLst/>
@@ -1463,18 +1380,16 @@
             <a:noAutofit/>
           </a:bodyPr>
           <a:p>
-            <a:endParaRPr b="0" lang="es-ES" sz="1800" spc="-1" strike="noStrike">
-              <a:solidFill>
-                <a:srgbClr val="000000"/>
-              </a:solidFill>
-              <a:latin typeface="Avenir Next LT Pro"/>
-            </a:endParaRPr>
-          </a:p>
-        </p:txBody>
-      </p:sp>
-      <p:sp>
-        <p:nvSpPr>
-          <p:cNvPr id="69" name="PlaceHolder 2"/>
+            <a:pPr algn="ctr"/>
+            <a:endParaRPr b="0" lang="es-ES" sz="4400" spc="-1" strike="noStrike">
+              <a:latin typeface="Arial"/>
+            </a:endParaRPr>
+          </a:p>
+        </p:txBody>
+      </p:sp>
+      <p:sp>
+        <p:nvSpPr>
+          <p:cNvPr id="63" name="PlaceHolder 2"/>
           <p:cNvSpPr>
             <a:spLocks noGrp="1"/>
           </p:cNvSpPr>
@@ -1484,8 +1399,8 @@
         </p:nvSpPr>
         <p:spPr>
           <a:xfrm>
-            <a:off x="1115640" y="2477880"/>
-            <a:ext cx="4961880" cy="1761840"/>
+            <a:off x="609480" y="1604520"/>
+            <a:ext cx="5354280" cy="1896840"/>
           </a:xfrm>
           <a:prstGeom prst="rect">
             <a:avLst/>
@@ -1496,18 +1411,15 @@
             <a:normAutofit/>
           </a:bodyPr>
           <a:p>
-            <a:endParaRPr b="0" lang="es-ES" sz="2800" spc="-1" strike="noStrike">
-              <a:solidFill>
-                <a:srgbClr val="000000"/>
-              </a:solidFill>
-              <a:latin typeface="Avenir Next LT Pro"/>
-            </a:endParaRPr>
-          </a:p>
-        </p:txBody>
-      </p:sp>
-      <p:sp>
-        <p:nvSpPr>
-          <p:cNvPr id="70" name="PlaceHolder 3"/>
+            <a:endParaRPr b="0" lang="es-ES" sz="3200" spc="-1" strike="noStrike">
+              <a:latin typeface="Arial"/>
+            </a:endParaRPr>
+          </a:p>
+        </p:txBody>
+      </p:sp>
+      <p:sp>
+        <p:nvSpPr>
+          <p:cNvPr id="64" name="PlaceHolder 3"/>
           <p:cNvSpPr>
             <a:spLocks noGrp="1"/>
           </p:cNvSpPr>
@@ -1517,8 +1429,8 @@
         </p:nvSpPr>
         <p:spPr>
           <a:xfrm>
-            <a:off x="6325920" y="2477880"/>
-            <a:ext cx="4961880" cy="1761840"/>
+            <a:off x="6231960" y="1604520"/>
+            <a:ext cx="5354280" cy="1896840"/>
           </a:xfrm>
           <a:prstGeom prst="rect">
             <a:avLst/>
@@ -1529,18 +1441,15 @@
             <a:normAutofit/>
           </a:bodyPr>
           <a:p>
-            <a:endParaRPr b="0" lang="es-ES" sz="2800" spc="-1" strike="noStrike">
-              <a:solidFill>
-                <a:srgbClr val="000000"/>
-              </a:solidFill>
-              <a:latin typeface="Avenir Next LT Pro"/>
-            </a:endParaRPr>
-          </a:p>
-        </p:txBody>
-      </p:sp>
-      <p:sp>
-        <p:nvSpPr>
-          <p:cNvPr id="71" name="PlaceHolder 4"/>
+            <a:endParaRPr b="0" lang="es-ES" sz="3200" spc="-1" strike="noStrike">
+              <a:latin typeface="Arial"/>
+            </a:endParaRPr>
+          </a:p>
+        </p:txBody>
+      </p:sp>
+      <p:sp>
+        <p:nvSpPr>
+          <p:cNvPr id="65" name="PlaceHolder 4"/>
           <p:cNvSpPr>
             <a:spLocks noGrp="1"/>
           </p:cNvSpPr>
@@ -1550,8 +1459,8 @@
         </p:nvSpPr>
         <p:spPr>
           <a:xfrm>
-            <a:off x="1115640" y="4407480"/>
-            <a:ext cx="10167840" cy="1761840"/>
+            <a:off x="609480" y="3682080"/>
+            <a:ext cx="10972440" cy="1896840"/>
           </a:xfrm>
           <a:prstGeom prst="rect">
             <a:avLst/>
@@ -1562,11 +1471,8 @@
             <a:normAutofit/>
           </a:bodyPr>
           <a:p>
-            <a:endParaRPr b="0" lang="es-ES" sz="2800" spc="-1" strike="noStrike">
-              <a:solidFill>
-                <a:srgbClr val="000000"/>
-              </a:solidFill>
-              <a:latin typeface="Avenir Next LT Pro"/>
+            <a:endParaRPr b="0" lang="es-ES" sz="3200" spc="-1" strike="noStrike">
+              <a:latin typeface="Arial"/>
             </a:endParaRPr>
           </a:p>
         </p:txBody>
@@ -1595,7 +1501,7 @@
       </p:grpSpPr>
       <p:sp>
         <p:nvSpPr>
-          <p:cNvPr id="72" name="PlaceHolder 1"/>
+          <p:cNvPr id="66" name="PlaceHolder 1"/>
           <p:cNvSpPr>
             <a:spLocks noGrp="1"/>
           </p:cNvSpPr>
@@ -1605,8 +1511,8 @@
         </p:nvSpPr>
         <p:spPr>
           <a:xfrm>
-            <a:off x="1115640" y="548640"/>
-            <a:ext cx="10167840" cy="1179360"/>
+            <a:off x="609480" y="273600"/>
+            <a:ext cx="10972440" cy="1144800"/>
           </a:xfrm>
           <a:prstGeom prst="rect">
             <a:avLst/>
@@ -1617,18 +1523,16 @@
             <a:noAutofit/>
           </a:bodyPr>
           <a:p>
-            <a:endParaRPr b="0" lang="es-ES" sz="1800" spc="-1" strike="noStrike">
-              <a:solidFill>
-                <a:srgbClr val="000000"/>
-              </a:solidFill>
-              <a:latin typeface="Avenir Next LT Pro"/>
-            </a:endParaRPr>
-          </a:p>
-        </p:txBody>
-      </p:sp>
-      <p:sp>
-        <p:nvSpPr>
-          <p:cNvPr id="73" name="PlaceHolder 2"/>
+            <a:pPr algn="ctr"/>
+            <a:endParaRPr b="0" lang="es-ES" sz="4400" spc="-1" strike="noStrike">
+              <a:latin typeface="Arial"/>
+            </a:endParaRPr>
+          </a:p>
+        </p:txBody>
+      </p:sp>
+      <p:sp>
+        <p:nvSpPr>
+          <p:cNvPr id="67" name="PlaceHolder 2"/>
           <p:cNvSpPr>
             <a:spLocks noGrp="1"/>
           </p:cNvSpPr>
@@ -1638,8 +1542,8 @@
         </p:nvSpPr>
         <p:spPr>
           <a:xfrm>
-            <a:off x="1115640" y="2477880"/>
-            <a:ext cx="10167840" cy="1761840"/>
+            <a:off x="609480" y="1604520"/>
+            <a:ext cx="10972440" cy="1896840"/>
           </a:xfrm>
           <a:prstGeom prst="rect">
             <a:avLst/>
@@ -1650,18 +1554,15 @@
             <a:normAutofit/>
           </a:bodyPr>
           <a:p>
-            <a:endParaRPr b="0" lang="es-ES" sz="2800" spc="-1" strike="noStrike">
-              <a:solidFill>
-                <a:srgbClr val="000000"/>
-              </a:solidFill>
-              <a:latin typeface="Avenir Next LT Pro"/>
-            </a:endParaRPr>
-          </a:p>
-        </p:txBody>
-      </p:sp>
-      <p:sp>
-        <p:nvSpPr>
-          <p:cNvPr id="74" name="PlaceHolder 3"/>
+            <a:endParaRPr b="0" lang="es-ES" sz="3200" spc="-1" strike="noStrike">
+              <a:latin typeface="Arial"/>
+            </a:endParaRPr>
+          </a:p>
+        </p:txBody>
+      </p:sp>
+      <p:sp>
+        <p:nvSpPr>
+          <p:cNvPr id="68" name="PlaceHolder 3"/>
           <p:cNvSpPr>
             <a:spLocks noGrp="1"/>
           </p:cNvSpPr>
@@ -1671,8 +1572,8 @@
         </p:nvSpPr>
         <p:spPr>
           <a:xfrm>
-            <a:off x="1115640" y="4407480"/>
-            <a:ext cx="10167840" cy="1761840"/>
+            <a:off x="609480" y="3682080"/>
+            <a:ext cx="10972440" cy="1896840"/>
           </a:xfrm>
           <a:prstGeom prst="rect">
             <a:avLst/>
@@ -1683,11 +1584,8 @@
             <a:normAutofit/>
           </a:bodyPr>
           <a:p>
-            <a:endParaRPr b="0" lang="es-ES" sz="2800" spc="-1" strike="noStrike">
-              <a:solidFill>
-                <a:srgbClr val="000000"/>
-              </a:solidFill>
-              <a:latin typeface="Avenir Next LT Pro"/>
+            <a:endParaRPr b="0" lang="es-ES" sz="3200" spc="-1" strike="noStrike">
+              <a:latin typeface="Arial"/>
             </a:endParaRPr>
           </a:p>
         </p:txBody>
@@ -1716,7 +1614,7 @@
       </p:grpSpPr>
       <p:sp>
         <p:nvSpPr>
-          <p:cNvPr id="75" name="PlaceHolder 1"/>
+          <p:cNvPr id="69" name="PlaceHolder 1"/>
           <p:cNvSpPr>
             <a:spLocks noGrp="1"/>
           </p:cNvSpPr>
@@ -1726,8 +1624,8 @@
         </p:nvSpPr>
         <p:spPr>
           <a:xfrm>
-            <a:off x="1115640" y="548640"/>
-            <a:ext cx="10167840" cy="1179360"/>
+            <a:off x="609480" y="273600"/>
+            <a:ext cx="10972440" cy="1144800"/>
           </a:xfrm>
           <a:prstGeom prst="rect">
             <a:avLst/>
@@ -1738,18 +1636,16 @@
             <a:noAutofit/>
           </a:bodyPr>
           <a:p>
-            <a:endParaRPr b="0" lang="es-ES" sz="1800" spc="-1" strike="noStrike">
-              <a:solidFill>
-                <a:srgbClr val="000000"/>
-              </a:solidFill>
-              <a:latin typeface="Avenir Next LT Pro"/>
-            </a:endParaRPr>
-          </a:p>
-        </p:txBody>
-      </p:sp>
-      <p:sp>
-        <p:nvSpPr>
-          <p:cNvPr id="76" name="PlaceHolder 2"/>
+            <a:pPr algn="ctr"/>
+            <a:endParaRPr b="0" lang="es-ES" sz="4400" spc="-1" strike="noStrike">
+              <a:latin typeface="Arial"/>
+            </a:endParaRPr>
+          </a:p>
+        </p:txBody>
+      </p:sp>
+      <p:sp>
+        <p:nvSpPr>
+          <p:cNvPr id="70" name="PlaceHolder 2"/>
           <p:cNvSpPr>
             <a:spLocks noGrp="1"/>
           </p:cNvSpPr>
@@ -1759,8 +1655,8 @@
         </p:nvSpPr>
         <p:spPr>
           <a:xfrm>
-            <a:off x="1115640" y="2477880"/>
-            <a:ext cx="4961880" cy="1761840"/>
+            <a:off x="609480" y="1604520"/>
+            <a:ext cx="5354280" cy="1896840"/>
           </a:xfrm>
           <a:prstGeom prst="rect">
             <a:avLst/>
@@ -1771,18 +1667,15 @@
             <a:normAutofit/>
           </a:bodyPr>
           <a:p>
-            <a:endParaRPr b="0" lang="es-ES" sz="2800" spc="-1" strike="noStrike">
-              <a:solidFill>
-                <a:srgbClr val="000000"/>
-              </a:solidFill>
-              <a:latin typeface="Avenir Next LT Pro"/>
-            </a:endParaRPr>
-          </a:p>
-        </p:txBody>
-      </p:sp>
-      <p:sp>
-        <p:nvSpPr>
-          <p:cNvPr id="77" name="PlaceHolder 3"/>
+            <a:endParaRPr b="0" lang="es-ES" sz="3200" spc="-1" strike="noStrike">
+              <a:latin typeface="Arial"/>
+            </a:endParaRPr>
+          </a:p>
+        </p:txBody>
+      </p:sp>
+      <p:sp>
+        <p:nvSpPr>
+          <p:cNvPr id="71" name="PlaceHolder 3"/>
           <p:cNvSpPr>
             <a:spLocks noGrp="1"/>
           </p:cNvSpPr>
@@ -1792,8 +1685,8 @@
         </p:nvSpPr>
         <p:spPr>
           <a:xfrm>
-            <a:off x="6325920" y="2477880"/>
-            <a:ext cx="4961880" cy="1761840"/>
+            <a:off x="6231960" y="1604520"/>
+            <a:ext cx="5354280" cy="1896840"/>
           </a:xfrm>
           <a:prstGeom prst="rect">
             <a:avLst/>
@@ -1804,18 +1697,15 @@
             <a:normAutofit/>
           </a:bodyPr>
           <a:p>
-            <a:endParaRPr b="0" lang="es-ES" sz="2800" spc="-1" strike="noStrike">
-              <a:solidFill>
-                <a:srgbClr val="000000"/>
-              </a:solidFill>
-              <a:latin typeface="Avenir Next LT Pro"/>
-            </a:endParaRPr>
-          </a:p>
-        </p:txBody>
-      </p:sp>
-      <p:sp>
-        <p:nvSpPr>
-          <p:cNvPr id="78" name="PlaceHolder 4"/>
+            <a:endParaRPr b="0" lang="es-ES" sz="3200" spc="-1" strike="noStrike">
+              <a:latin typeface="Arial"/>
+            </a:endParaRPr>
+          </a:p>
+        </p:txBody>
+      </p:sp>
+      <p:sp>
+        <p:nvSpPr>
+          <p:cNvPr id="72" name="PlaceHolder 4"/>
           <p:cNvSpPr>
             <a:spLocks noGrp="1"/>
           </p:cNvSpPr>
@@ -1825,8 +1715,8 @@
         </p:nvSpPr>
         <p:spPr>
           <a:xfrm>
-            <a:off x="1115640" y="4407480"/>
-            <a:ext cx="4961880" cy="1761840"/>
+            <a:off x="609480" y="3682080"/>
+            <a:ext cx="5354280" cy="1896840"/>
           </a:xfrm>
           <a:prstGeom prst="rect">
             <a:avLst/>
@@ -1837,18 +1727,15 @@
             <a:normAutofit/>
           </a:bodyPr>
           <a:p>
-            <a:endParaRPr b="0" lang="es-ES" sz="2800" spc="-1" strike="noStrike">
-              <a:solidFill>
-                <a:srgbClr val="000000"/>
-              </a:solidFill>
-              <a:latin typeface="Avenir Next LT Pro"/>
-            </a:endParaRPr>
-          </a:p>
-        </p:txBody>
-      </p:sp>
-      <p:sp>
-        <p:nvSpPr>
-          <p:cNvPr id="79" name="PlaceHolder 5"/>
+            <a:endParaRPr b="0" lang="es-ES" sz="3200" spc="-1" strike="noStrike">
+              <a:latin typeface="Arial"/>
+            </a:endParaRPr>
+          </a:p>
+        </p:txBody>
+      </p:sp>
+      <p:sp>
+        <p:nvSpPr>
+          <p:cNvPr id="73" name="PlaceHolder 5"/>
           <p:cNvSpPr>
             <a:spLocks noGrp="1"/>
           </p:cNvSpPr>
@@ -1858,8 +1745,8 @@
         </p:nvSpPr>
         <p:spPr>
           <a:xfrm>
-            <a:off x="6325920" y="4407480"/>
-            <a:ext cx="4961880" cy="1761840"/>
+            <a:off x="6231960" y="3682080"/>
+            <a:ext cx="5354280" cy="1896840"/>
           </a:xfrm>
           <a:prstGeom prst="rect">
             <a:avLst/>
@@ -1870,11 +1757,8 @@
             <a:normAutofit/>
           </a:bodyPr>
           <a:p>
-            <a:endParaRPr b="0" lang="es-ES" sz="2800" spc="-1" strike="noStrike">
-              <a:solidFill>
-                <a:srgbClr val="000000"/>
-              </a:solidFill>
-              <a:latin typeface="Avenir Next LT Pro"/>
+            <a:endParaRPr b="0" lang="es-ES" sz="3200" spc="-1" strike="noStrike">
+              <a:latin typeface="Arial"/>
             </a:endParaRPr>
           </a:p>
         </p:txBody>
@@ -1903,7 +1787,7 @@
       </p:grpSpPr>
       <p:sp>
         <p:nvSpPr>
-          <p:cNvPr id="80" name="PlaceHolder 1"/>
+          <p:cNvPr id="74" name="PlaceHolder 1"/>
           <p:cNvSpPr>
             <a:spLocks noGrp="1"/>
           </p:cNvSpPr>
@@ -1913,8 +1797,8 @@
         </p:nvSpPr>
         <p:spPr>
           <a:xfrm>
-            <a:off x="1115640" y="548640"/>
-            <a:ext cx="10167840" cy="1179360"/>
+            <a:off x="609480" y="273600"/>
+            <a:ext cx="10972440" cy="1144800"/>
           </a:xfrm>
           <a:prstGeom prst="rect">
             <a:avLst/>
@@ -1925,18 +1809,16 @@
             <a:noAutofit/>
           </a:bodyPr>
           <a:p>
-            <a:endParaRPr b="0" lang="es-ES" sz="1800" spc="-1" strike="noStrike">
-              <a:solidFill>
-                <a:srgbClr val="000000"/>
-              </a:solidFill>
-              <a:latin typeface="Avenir Next LT Pro"/>
-            </a:endParaRPr>
-          </a:p>
-        </p:txBody>
-      </p:sp>
-      <p:sp>
-        <p:nvSpPr>
-          <p:cNvPr id="81" name="PlaceHolder 2"/>
+            <a:pPr algn="ctr"/>
+            <a:endParaRPr b="0" lang="es-ES" sz="4400" spc="-1" strike="noStrike">
+              <a:latin typeface="Arial"/>
+            </a:endParaRPr>
+          </a:p>
+        </p:txBody>
+      </p:sp>
+      <p:sp>
+        <p:nvSpPr>
+          <p:cNvPr id="75" name="PlaceHolder 2"/>
           <p:cNvSpPr>
             <a:spLocks noGrp="1"/>
           </p:cNvSpPr>
@@ -1946,8 +1828,8 @@
         </p:nvSpPr>
         <p:spPr>
           <a:xfrm>
-            <a:off x="1115640" y="2477880"/>
-            <a:ext cx="3273840" cy="1761840"/>
+            <a:off x="609480" y="1604520"/>
+            <a:ext cx="3533040" cy="1896840"/>
           </a:xfrm>
           <a:prstGeom prst="rect">
             <a:avLst/>
@@ -1958,18 +1840,15 @@
             <a:normAutofit/>
           </a:bodyPr>
           <a:p>
-            <a:endParaRPr b="0" lang="es-ES" sz="2800" spc="-1" strike="noStrike">
-              <a:solidFill>
-                <a:srgbClr val="000000"/>
-              </a:solidFill>
-              <a:latin typeface="Avenir Next LT Pro"/>
-            </a:endParaRPr>
-          </a:p>
-        </p:txBody>
-      </p:sp>
-      <p:sp>
-        <p:nvSpPr>
-          <p:cNvPr id="82" name="PlaceHolder 3"/>
+            <a:endParaRPr b="0" lang="es-ES" sz="3200" spc="-1" strike="noStrike">
+              <a:latin typeface="Arial"/>
+            </a:endParaRPr>
+          </a:p>
+        </p:txBody>
+      </p:sp>
+      <p:sp>
+        <p:nvSpPr>
+          <p:cNvPr id="76" name="PlaceHolder 3"/>
           <p:cNvSpPr>
             <a:spLocks noGrp="1"/>
           </p:cNvSpPr>
@@ -1979,8 +1858,8 @@
         </p:nvSpPr>
         <p:spPr>
           <a:xfrm>
-            <a:off x="4553640" y="2477880"/>
-            <a:ext cx="3273840" cy="1761840"/>
+            <a:off x="4319640" y="1604520"/>
+            <a:ext cx="3533040" cy="1896840"/>
           </a:xfrm>
           <a:prstGeom prst="rect">
             <a:avLst/>
@@ -1991,18 +1870,15 @@
             <a:normAutofit/>
           </a:bodyPr>
           <a:p>
-            <a:endParaRPr b="0" lang="es-ES" sz="2800" spc="-1" strike="noStrike">
-              <a:solidFill>
-                <a:srgbClr val="000000"/>
-              </a:solidFill>
-              <a:latin typeface="Avenir Next LT Pro"/>
-            </a:endParaRPr>
-          </a:p>
-        </p:txBody>
-      </p:sp>
-      <p:sp>
-        <p:nvSpPr>
-          <p:cNvPr id="83" name="PlaceHolder 4"/>
+            <a:endParaRPr b="0" lang="es-ES" sz="3200" spc="-1" strike="noStrike">
+              <a:latin typeface="Arial"/>
+            </a:endParaRPr>
+          </a:p>
+        </p:txBody>
+      </p:sp>
+      <p:sp>
+        <p:nvSpPr>
+          <p:cNvPr id="77" name="PlaceHolder 4"/>
           <p:cNvSpPr>
             <a:spLocks noGrp="1"/>
           </p:cNvSpPr>
@@ -2012,8 +1888,8 @@
         </p:nvSpPr>
         <p:spPr>
           <a:xfrm>
-            <a:off x="7991640" y="2477880"/>
-            <a:ext cx="3273840" cy="1761840"/>
+            <a:off x="8029800" y="1604520"/>
+            <a:ext cx="3533040" cy="1896840"/>
           </a:xfrm>
           <a:prstGeom prst="rect">
             <a:avLst/>
@@ -2024,18 +1900,15 @@
             <a:normAutofit/>
           </a:bodyPr>
           <a:p>
-            <a:endParaRPr b="0" lang="es-ES" sz="2800" spc="-1" strike="noStrike">
-              <a:solidFill>
-                <a:srgbClr val="000000"/>
-              </a:solidFill>
-              <a:latin typeface="Avenir Next LT Pro"/>
-            </a:endParaRPr>
-          </a:p>
-        </p:txBody>
-      </p:sp>
-      <p:sp>
-        <p:nvSpPr>
-          <p:cNvPr id="84" name="PlaceHolder 5"/>
+            <a:endParaRPr b="0" lang="es-ES" sz="3200" spc="-1" strike="noStrike">
+              <a:latin typeface="Arial"/>
+            </a:endParaRPr>
+          </a:p>
+        </p:txBody>
+      </p:sp>
+      <p:sp>
+        <p:nvSpPr>
+          <p:cNvPr id="78" name="PlaceHolder 5"/>
           <p:cNvSpPr>
             <a:spLocks noGrp="1"/>
           </p:cNvSpPr>
@@ -2045,8 +1918,8 @@
         </p:nvSpPr>
         <p:spPr>
           <a:xfrm>
-            <a:off x="1115640" y="4407480"/>
-            <a:ext cx="3273840" cy="1761840"/>
+            <a:off x="609480" y="3682080"/>
+            <a:ext cx="3533040" cy="1896840"/>
           </a:xfrm>
           <a:prstGeom prst="rect">
             <a:avLst/>
@@ -2057,18 +1930,15 @@
             <a:normAutofit/>
           </a:bodyPr>
           <a:p>
-            <a:endParaRPr b="0" lang="es-ES" sz="2800" spc="-1" strike="noStrike">
-              <a:solidFill>
-                <a:srgbClr val="000000"/>
-              </a:solidFill>
-              <a:latin typeface="Avenir Next LT Pro"/>
-            </a:endParaRPr>
-          </a:p>
-        </p:txBody>
-      </p:sp>
-      <p:sp>
-        <p:nvSpPr>
-          <p:cNvPr id="85" name="PlaceHolder 6"/>
+            <a:endParaRPr b="0" lang="es-ES" sz="3200" spc="-1" strike="noStrike">
+              <a:latin typeface="Arial"/>
+            </a:endParaRPr>
+          </a:p>
+        </p:txBody>
+      </p:sp>
+      <p:sp>
+        <p:nvSpPr>
+          <p:cNvPr id="79" name="PlaceHolder 6"/>
           <p:cNvSpPr>
             <a:spLocks noGrp="1"/>
           </p:cNvSpPr>
@@ -2078,8 +1948,8 @@
         </p:nvSpPr>
         <p:spPr>
           <a:xfrm>
-            <a:off x="4553640" y="4407480"/>
-            <a:ext cx="3273840" cy="1761840"/>
+            <a:off x="4319640" y="3682080"/>
+            <a:ext cx="3533040" cy="1896840"/>
           </a:xfrm>
           <a:prstGeom prst="rect">
             <a:avLst/>
@@ -2090,18 +1960,15 @@
             <a:normAutofit/>
           </a:bodyPr>
           <a:p>
-            <a:endParaRPr b="0" lang="es-ES" sz="2800" spc="-1" strike="noStrike">
-              <a:solidFill>
-                <a:srgbClr val="000000"/>
-              </a:solidFill>
-              <a:latin typeface="Avenir Next LT Pro"/>
-            </a:endParaRPr>
-          </a:p>
-        </p:txBody>
-      </p:sp>
-      <p:sp>
-        <p:nvSpPr>
-          <p:cNvPr id="86" name="PlaceHolder 7"/>
+            <a:endParaRPr b="0" lang="es-ES" sz="3200" spc="-1" strike="noStrike">
+              <a:latin typeface="Arial"/>
+            </a:endParaRPr>
+          </a:p>
+        </p:txBody>
+      </p:sp>
+      <p:sp>
+        <p:nvSpPr>
+          <p:cNvPr id="80" name="PlaceHolder 7"/>
           <p:cNvSpPr>
             <a:spLocks noGrp="1"/>
           </p:cNvSpPr>
@@ -2111,8 +1978,8 @@
         </p:nvSpPr>
         <p:spPr>
           <a:xfrm>
-            <a:off x="7991640" y="4407480"/>
-            <a:ext cx="3273840" cy="1761840"/>
+            <a:off x="8029800" y="3682080"/>
+            <a:ext cx="3533040" cy="1896840"/>
           </a:xfrm>
           <a:prstGeom prst="rect">
             <a:avLst/>
@@ -2123,11 +1990,8 @@
             <a:normAutofit/>
           </a:bodyPr>
           <a:p>
-            <a:endParaRPr b="0" lang="es-ES" sz="2800" spc="-1" strike="noStrike">
-              <a:solidFill>
-                <a:srgbClr val="000000"/>
-              </a:solidFill>
-              <a:latin typeface="Avenir Next LT Pro"/>
+            <a:endParaRPr b="0" lang="es-ES" sz="3200" spc="-1" strike="noStrike">
+              <a:latin typeface="Arial"/>
             </a:endParaRPr>
           </a:p>
         </p:txBody>
@@ -2156,7 +2020,7 @@
       </p:grpSpPr>
       <p:sp>
         <p:nvSpPr>
-          <p:cNvPr id="9" name="PlaceHolder 1"/>
+          <p:cNvPr id="6" name="PlaceHolder 1"/>
           <p:cNvSpPr>
             <a:spLocks noGrp="1"/>
           </p:cNvSpPr>
@@ -2166,8 +2030,8 @@
         </p:nvSpPr>
         <p:spPr>
           <a:xfrm>
-            <a:off x="1115640" y="548640"/>
-            <a:ext cx="10167840" cy="1179360"/>
+            <a:off x="609480" y="273600"/>
+            <a:ext cx="10972440" cy="1144800"/>
           </a:xfrm>
           <a:prstGeom prst="rect">
             <a:avLst/>
@@ -2178,18 +2042,16 @@
             <a:noAutofit/>
           </a:bodyPr>
           <a:p>
-            <a:endParaRPr b="0" lang="es-ES" sz="1800" spc="-1" strike="noStrike">
-              <a:solidFill>
-                <a:srgbClr val="000000"/>
-              </a:solidFill>
-              <a:latin typeface="Avenir Next LT Pro"/>
-            </a:endParaRPr>
-          </a:p>
-        </p:txBody>
-      </p:sp>
-      <p:sp>
-        <p:nvSpPr>
-          <p:cNvPr id="10" name="PlaceHolder 2"/>
+            <a:pPr algn="ctr"/>
+            <a:endParaRPr b="0" lang="es-ES" sz="4400" spc="-1" strike="noStrike">
+              <a:latin typeface="Arial"/>
+            </a:endParaRPr>
+          </a:p>
+        </p:txBody>
+      </p:sp>
+      <p:sp>
+        <p:nvSpPr>
+          <p:cNvPr id="7" name="PlaceHolder 2"/>
           <p:cNvSpPr>
             <a:spLocks noGrp="1"/>
           </p:cNvSpPr>
@@ -2199,8 +2061,8 @@
         </p:nvSpPr>
         <p:spPr>
           <a:xfrm>
-            <a:off x="1115640" y="2477880"/>
-            <a:ext cx="10167840" cy="3693960"/>
+            <a:off x="609480" y="1604520"/>
+            <a:ext cx="10972440" cy="3977280"/>
           </a:xfrm>
           <a:prstGeom prst="rect">
             <a:avLst/>
@@ -2211,11 +2073,8 @@
             <a:normAutofit/>
           </a:bodyPr>
           <a:p>
-            <a:endParaRPr b="0" lang="es-ES" sz="2800" spc="-1" strike="noStrike">
-              <a:solidFill>
-                <a:srgbClr val="000000"/>
-              </a:solidFill>
-              <a:latin typeface="Avenir Next LT Pro"/>
+            <a:endParaRPr b="0" lang="es-ES" sz="3200" spc="-1" strike="noStrike">
+              <a:latin typeface="Arial"/>
             </a:endParaRPr>
           </a:p>
         </p:txBody>
@@ -2244,7 +2103,7 @@
       </p:grpSpPr>
       <p:sp>
         <p:nvSpPr>
-          <p:cNvPr id="11" name="PlaceHolder 1"/>
+          <p:cNvPr id="8" name="PlaceHolder 1"/>
           <p:cNvSpPr>
             <a:spLocks noGrp="1"/>
           </p:cNvSpPr>
@@ -2254,8 +2113,8 @@
         </p:nvSpPr>
         <p:spPr>
           <a:xfrm>
-            <a:off x="1115640" y="548640"/>
-            <a:ext cx="10167840" cy="1179360"/>
+            <a:off x="609480" y="273600"/>
+            <a:ext cx="10972440" cy="1144800"/>
           </a:xfrm>
           <a:prstGeom prst="rect">
             <a:avLst/>
@@ -2266,18 +2125,16 @@
             <a:noAutofit/>
           </a:bodyPr>
           <a:p>
-            <a:endParaRPr b="0" lang="es-ES" sz="1800" spc="-1" strike="noStrike">
-              <a:solidFill>
-                <a:srgbClr val="000000"/>
-              </a:solidFill>
-              <a:latin typeface="Avenir Next LT Pro"/>
-            </a:endParaRPr>
-          </a:p>
-        </p:txBody>
-      </p:sp>
-      <p:sp>
-        <p:nvSpPr>
-          <p:cNvPr id="12" name="PlaceHolder 2"/>
+            <a:pPr algn="ctr"/>
+            <a:endParaRPr b="0" lang="es-ES" sz="4400" spc="-1" strike="noStrike">
+              <a:latin typeface="Arial"/>
+            </a:endParaRPr>
+          </a:p>
+        </p:txBody>
+      </p:sp>
+      <p:sp>
+        <p:nvSpPr>
+          <p:cNvPr id="9" name="PlaceHolder 2"/>
           <p:cNvSpPr>
             <a:spLocks noGrp="1"/>
           </p:cNvSpPr>
@@ -2287,8 +2144,8 @@
         </p:nvSpPr>
         <p:spPr>
           <a:xfrm>
-            <a:off x="1115640" y="2477880"/>
-            <a:ext cx="4961880" cy="3693960"/>
+            <a:off x="609480" y="1604520"/>
+            <a:ext cx="5354280" cy="3977280"/>
           </a:xfrm>
           <a:prstGeom prst="rect">
             <a:avLst/>
@@ -2299,18 +2156,15 @@
             <a:normAutofit/>
           </a:bodyPr>
           <a:p>
-            <a:endParaRPr b="0" lang="es-ES" sz="2800" spc="-1" strike="noStrike">
-              <a:solidFill>
-                <a:srgbClr val="000000"/>
-              </a:solidFill>
-              <a:latin typeface="Avenir Next LT Pro"/>
-            </a:endParaRPr>
-          </a:p>
-        </p:txBody>
-      </p:sp>
-      <p:sp>
-        <p:nvSpPr>
-          <p:cNvPr id="13" name="PlaceHolder 3"/>
+            <a:endParaRPr b="0" lang="es-ES" sz="3200" spc="-1" strike="noStrike">
+              <a:latin typeface="Arial"/>
+            </a:endParaRPr>
+          </a:p>
+        </p:txBody>
+      </p:sp>
+      <p:sp>
+        <p:nvSpPr>
+          <p:cNvPr id="10" name="PlaceHolder 3"/>
           <p:cNvSpPr>
             <a:spLocks noGrp="1"/>
           </p:cNvSpPr>
@@ -2320,8 +2174,8 @@
         </p:nvSpPr>
         <p:spPr>
           <a:xfrm>
-            <a:off x="6325920" y="2477880"/>
-            <a:ext cx="4961880" cy="3693960"/>
+            <a:off x="6231960" y="1604520"/>
+            <a:ext cx="5354280" cy="3977280"/>
           </a:xfrm>
           <a:prstGeom prst="rect">
             <a:avLst/>
@@ -2332,11 +2186,8 @@
             <a:normAutofit/>
           </a:bodyPr>
           <a:p>
-            <a:endParaRPr b="0" lang="es-ES" sz="2800" spc="-1" strike="noStrike">
-              <a:solidFill>
-                <a:srgbClr val="000000"/>
-              </a:solidFill>
-              <a:latin typeface="Avenir Next LT Pro"/>
+            <a:endParaRPr b="0" lang="es-ES" sz="3200" spc="-1" strike="noStrike">
+              <a:latin typeface="Arial"/>
             </a:endParaRPr>
           </a:p>
         </p:txBody>
@@ -2365,7 +2216,7 @@
       </p:grpSpPr>
       <p:sp>
         <p:nvSpPr>
-          <p:cNvPr id="14" name="PlaceHolder 1"/>
+          <p:cNvPr id="11" name="PlaceHolder 1"/>
           <p:cNvSpPr>
             <a:spLocks noGrp="1"/>
           </p:cNvSpPr>
@@ -2375,8 +2226,8 @@
         </p:nvSpPr>
         <p:spPr>
           <a:xfrm>
-            <a:off x="1115640" y="548640"/>
-            <a:ext cx="10167840" cy="1179360"/>
+            <a:off x="609480" y="273600"/>
+            <a:ext cx="10972440" cy="1144800"/>
           </a:xfrm>
           <a:prstGeom prst="rect">
             <a:avLst/>
@@ -2387,11 +2238,9 @@
             <a:noAutofit/>
           </a:bodyPr>
           <a:p>
-            <a:endParaRPr b="0" lang="es-ES" sz="1800" spc="-1" strike="noStrike">
-              <a:solidFill>
-                <a:srgbClr val="000000"/>
-              </a:solidFill>
-              <a:latin typeface="Avenir Next LT Pro"/>
+            <a:pPr algn="ctr"/>
+            <a:endParaRPr b="0" lang="es-ES" sz="4400" spc="-1" strike="noStrike">
+              <a:latin typeface="Arial"/>
             </a:endParaRPr>
           </a:p>
         </p:txBody>
@@ -2420,7 +2269,7 @@
       </p:grpSpPr>
       <p:sp>
         <p:nvSpPr>
-          <p:cNvPr id="15" name="PlaceHolder 1"/>
+          <p:cNvPr id="12" name="PlaceHolder 1"/>
           <p:cNvSpPr>
             <a:spLocks noGrp="1"/>
           </p:cNvSpPr>
@@ -2430,8 +2279,8 @@
         </p:nvSpPr>
         <p:spPr>
           <a:xfrm>
-            <a:off x="1115640" y="548640"/>
-            <a:ext cx="10167840" cy="5468040"/>
+            <a:off x="609480" y="273600"/>
+            <a:ext cx="10972440" cy="5307840"/>
           </a:xfrm>
           <a:prstGeom prst="rect">
             <a:avLst/>
@@ -2473,7 +2322,7 @@
       </p:grpSpPr>
       <p:sp>
         <p:nvSpPr>
-          <p:cNvPr id="16" name="PlaceHolder 1"/>
+          <p:cNvPr id="13" name="PlaceHolder 1"/>
           <p:cNvSpPr>
             <a:spLocks noGrp="1"/>
           </p:cNvSpPr>
@@ -2483,8 +2332,8 @@
         </p:nvSpPr>
         <p:spPr>
           <a:xfrm>
-            <a:off x="1115640" y="548640"/>
-            <a:ext cx="10167840" cy="1179360"/>
+            <a:off x="609480" y="273600"/>
+            <a:ext cx="10972440" cy="1144800"/>
           </a:xfrm>
           <a:prstGeom prst="rect">
             <a:avLst/>
@@ -2495,18 +2344,16 @@
             <a:noAutofit/>
           </a:bodyPr>
           <a:p>
-            <a:endParaRPr b="0" lang="es-ES" sz="1800" spc="-1" strike="noStrike">
-              <a:solidFill>
-                <a:srgbClr val="000000"/>
-              </a:solidFill>
-              <a:latin typeface="Avenir Next LT Pro"/>
-            </a:endParaRPr>
-          </a:p>
-        </p:txBody>
-      </p:sp>
-      <p:sp>
-        <p:nvSpPr>
-          <p:cNvPr id="17" name="PlaceHolder 2"/>
+            <a:pPr algn="ctr"/>
+            <a:endParaRPr b="0" lang="es-ES" sz="4400" spc="-1" strike="noStrike">
+              <a:latin typeface="Arial"/>
+            </a:endParaRPr>
+          </a:p>
+        </p:txBody>
+      </p:sp>
+      <p:sp>
+        <p:nvSpPr>
+          <p:cNvPr id="14" name="PlaceHolder 2"/>
           <p:cNvSpPr>
             <a:spLocks noGrp="1"/>
           </p:cNvSpPr>
@@ -2516,8 +2363,8 @@
         </p:nvSpPr>
         <p:spPr>
           <a:xfrm>
-            <a:off x="1115640" y="2477880"/>
-            <a:ext cx="4961880" cy="1761840"/>
+            <a:off x="609480" y="1604520"/>
+            <a:ext cx="5354280" cy="1896840"/>
           </a:xfrm>
           <a:prstGeom prst="rect">
             <a:avLst/>
@@ -2528,18 +2375,15 @@
             <a:normAutofit/>
           </a:bodyPr>
           <a:p>
-            <a:endParaRPr b="0" lang="es-ES" sz="2800" spc="-1" strike="noStrike">
-              <a:solidFill>
-                <a:srgbClr val="000000"/>
-              </a:solidFill>
-              <a:latin typeface="Avenir Next LT Pro"/>
-            </a:endParaRPr>
-          </a:p>
-        </p:txBody>
-      </p:sp>
-      <p:sp>
-        <p:nvSpPr>
-          <p:cNvPr id="18" name="PlaceHolder 3"/>
+            <a:endParaRPr b="0" lang="es-ES" sz="3200" spc="-1" strike="noStrike">
+              <a:latin typeface="Arial"/>
+            </a:endParaRPr>
+          </a:p>
+        </p:txBody>
+      </p:sp>
+      <p:sp>
+        <p:nvSpPr>
+          <p:cNvPr id="15" name="PlaceHolder 3"/>
           <p:cNvSpPr>
             <a:spLocks noGrp="1"/>
           </p:cNvSpPr>
@@ -2549,8 +2393,8 @@
         </p:nvSpPr>
         <p:spPr>
           <a:xfrm>
-            <a:off x="6325920" y="2477880"/>
-            <a:ext cx="4961880" cy="3693960"/>
+            <a:off x="6231960" y="1604520"/>
+            <a:ext cx="5354280" cy="3977280"/>
           </a:xfrm>
           <a:prstGeom prst="rect">
             <a:avLst/>
@@ -2561,18 +2405,15 @@
             <a:normAutofit/>
           </a:bodyPr>
           <a:p>
-            <a:endParaRPr b="0" lang="es-ES" sz="2800" spc="-1" strike="noStrike">
-              <a:solidFill>
-                <a:srgbClr val="000000"/>
-              </a:solidFill>
-              <a:latin typeface="Avenir Next LT Pro"/>
-            </a:endParaRPr>
-          </a:p>
-        </p:txBody>
-      </p:sp>
-      <p:sp>
-        <p:nvSpPr>
-          <p:cNvPr id="19" name="PlaceHolder 4"/>
+            <a:endParaRPr b="0" lang="es-ES" sz="3200" spc="-1" strike="noStrike">
+              <a:latin typeface="Arial"/>
+            </a:endParaRPr>
+          </a:p>
+        </p:txBody>
+      </p:sp>
+      <p:sp>
+        <p:nvSpPr>
+          <p:cNvPr id="16" name="PlaceHolder 4"/>
           <p:cNvSpPr>
             <a:spLocks noGrp="1"/>
           </p:cNvSpPr>
@@ -2582,8 +2423,8 @@
         </p:nvSpPr>
         <p:spPr>
           <a:xfrm>
-            <a:off x="1115640" y="4407480"/>
-            <a:ext cx="4961880" cy="1761840"/>
+            <a:off x="609480" y="3682080"/>
+            <a:ext cx="5354280" cy="1896840"/>
           </a:xfrm>
           <a:prstGeom prst="rect">
             <a:avLst/>
@@ -2594,11 +2435,8 @@
             <a:normAutofit/>
           </a:bodyPr>
           <a:p>
-            <a:endParaRPr b="0" lang="es-ES" sz="2800" spc="-1" strike="noStrike">
-              <a:solidFill>
-                <a:srgbClr val="000000"/>
-              </a:solidFill>
-              <a:latin typeface="Avenir Next LT Pro"/>
+            <a:endParaRPr b="0" lang="es-ES" sz="3200" spc="-1" strike="noStrike">
+              <a:latin typeface="Arial"/>
             </a:endParaRPr>
           </a:p>
         </p:txBody>
@@ -2627,7 +2465,7 @@
       </p:grpSpPr>
       <p:sp>
         <p:nvSpPr>
-          <p:cNvPr id="20" name="PlaceHolder 1"/>
+          <p:cNvPr id="17" name="PlaceHolder 1"/>
           <p:cNvSpPr>
             <a:spLocks noGrp="1"/>
           </p:cNvSpPr>
@@ -2637,8 +2475,8 @@
         </p:nvSpPr>
         <p:spPr>
           <a:xfrm>
-            <a:off x="1115640" y="548640"/>
-            <a:ext cx="10167840" cy="1179360"/>
+            <a:off x="609480" y="273600"/>
+            <a:ext cx="10972440" cy="1144800"/>
           </a:xfrm>
           <a:prstGeom prst="rect">
             <a:avLst/>
@@ -2649,18 +2487,16 @@
             <a:noAutofit/>
           </a:bodyPr>
           <a:p>
-            <a:endParaRPr b="0" lang="es-ES" sz="1800" spc="-1" strike="noStrike">
-              <a:solidFill>
-                <a:srgbClr val="000000"/>
-              </a:solidFill>
-              <a:latin typeface="Avenir Next LT Pro"/>
-            </a:endParaRPr>
-          </a:p>
-        </p:txBody>
-      </p:sp>
-      <p:sp>
-        <p:nvSpPr>
-          <p:cNvPr id="21" name="PlaceHolder 2"/>
+            <a:pPr algn="ctr"/>
+            <a:endParaRPr b="0" lang="es-ES" sz="4400" spc="-1" strike="noStrike">
+              <a:latin typeface="Arial"/>
+            </a:endParaRPr>
+          </a:p>
+        </p:txBody>
+      </p:sp>
+      <p:sp>
+        <p:nvSpPr>
+          <p:cNvPr id="18" name="PlaceHolder 2"/>
           <p:cNvSpPr>
             <a:spLocks noGrp="1"/>
           </p:cNvSpPr>
@@ -2670,8 +2506,8 @@
         </p:nvSpPr>
         <p:spPr>
           <a:xfrm>
-            <a:off x="1115640" y="2477880"/>
-            <a:ext cx="4961880" cy="3693960"/>
+            <a:off x="609480" y="1604520"/>
+            <a:ext cx="5354280" cy="3977280"/>
           </a:xfrm>
           <a:prstGeom prst="rect">
             <a:avLst/>
@@ -2682,18 +2518,15 @@
             <a:normAutofit/>
           </a:bodyPr>
           <a:p>
-            <a:endParaRPr b="0" lang="es-ES" sz="2800" spc="-1" strike="noStrike">
-              <a:solidFill>
-                <a:srgbClr val="000000"/>
-              </a:solidFill>
-              <a:latin typeface="Avenir Next LT Pro"/>
-            </a:endParaRPr>
-          </a:p>
-        </p:txBody>
-      </p:sp>
-      <p:sp>
-        <p:nvSpPr>
-          <p:cNvPr id="22" name="PlaceHolder 3"/>
+            <a:endParaRPr b="0" lang="es-ES" sz="3200" spc="-1" strike="noStrike">
+              <a:latin typeface="Arial"/>
+            </a:endParaRPr>
+          </a:p>
+        </p:txBody>
+      </p:sp>
+      <p:sp>
+        <p:nvSpPr>
+          <p:cNvPr id="19" name="PlaceHolder 3"/>
           <p:cNvSpPr>
             <a:spLocks noGrp="1"/>
           </p:cNvSpPr>
@@ -2703,8 +2536,8 @@
         </p:nvSpPr>
         <p:spPr>
           <a:xfrm>
-            <a:off x="6325920" y="2477880"/>
-            <a:ext cx="4961880" cy="1761840"/>
+            <a:off x="6231960" y="1604520"/>
+            <a:ext cx="5354280" cy="1896840"/>
           </a:xfrm>
           <a:prstGeom prst="rect">
             <a:avLst/>
@@ -2715,18 +2548,15 @@
             <a:normAutofit/>
           </a:bodyPr>
           <a:p>
-            <a:endParaRPr b="0" lang="es-ES" sz="2800" spc="-1" strike="noStrike">
-              <a:solidFill>
-                <a:srgbClr val="000000"/>
-              </a:solidFill>
-              <a:latin typeface="Avenir Next LT Pro"/>
-            </a:endParaRPr>
-          </a:p>
-        </p:txBody>
-      </p:sp>
-      <p:sp>
-        <p:nvSpPr>
-          <p:cNvPr id="23" name="PlaceHolder 4"/>
+            <a:endParaRPr b="0" lang="es-ES" sz="3200" spc="-1" strike="noStrike">
+              <a:latin typeface="Arial"/>
+            </a:endParaRPr>
+          </a:p>
+        </p:txBody>
+      </p:sp>
+      <p:sp>
+        <p:nvSpPr>
+          <p:cNvPr id="20" name="PlaceHolder 4"/>
           <p:cNvSpPr>
             <a:spLocks noGrp="1"/>
           </p:cNvSpPr>
@@ -2736,8 +2566,8 @@
         </p:nvSpPr>
         <p:spPr>
           <a:xfrm>
-            <a:off x="6325920" y="4407480"/>
-            <a:ext cx="4961880" cy="1761840"/>
+            <a:off x="6231960" y="3682080"/>
+            <a:ext cx="5354280" cy="1896840"/>
           </a:xfrm>
           <a:prstGeom prst="rect">
             <a:avLst/>
@@ -2748,11 +2578,8 @@
             <a:normAutofit/>
           </a:bodyPr>
           <a:p>
-            <a:endParaRPr b="0" lang="es-ES" sz="2800" spc="-1" strike="noStrike">
-              <a:solidFill>
-                <a:srgbClr val="000000"/>
-              </a:solidFill>
-              <a:latin typeface="Avenir Next LT Pro"/>
+            <a:endParaRPr b="0" lang="es-ES" sz="3200" spc="-1" strike="noStrike">
+              <a:latin typeface="Arial"/>
             </a:endParaRPr>
           </a:p>
         </p:txBody>
@@ -2781,7 +2608,7 @@
       </p:grpSpPr>
       <p:sp>
         <p:nvSpPr>
-          <p:cNvPr id="24" name="PlaceHolder 1"/>
+          <p:cNvPr id="21" name="PlaceHolder 1"/>
           <p:cNvSpPr>
             <a:spLocks noGrp="1"/>
           </p:cNvSpPr>
@@ -2791,8 +2618,8 @@
         </p:nvSpPr>
         <p:spPr>
           <a:xfrm>
-            <a:off x="1115640" y="548640"/>
-            <a:ext cx="10167840" cy="1179360"/>
+            <a:off x="609480" y="273600"/>
+            <a:ext cx="10972440" cy="1144800"/>
           </a:xfrm>
           <a:prstGeom prst="rect">
             <a:avLst/>
@@ -2803,18 +2630,16 @@
             <a:noAutofit/>
           </a:bodyPr>
           <a:p>
-            <a:endParaRPr b="0" lang="es-ES" sz="1800" spc="-1" strike="noStrike">
-              <a:solidFill>
-                <a:srgbClr val="000000"/>
-              </a:solidFill>
-              <a:latin typeface="Avenir Next LT Pro"/>
-            </a:endParaRPr>
-          </a:p>
-        </p:txBody>
-      </p:sp>
-      <p:sp>
-        <p:nvSpPr>
-          <p:cNvPr id="25" name="PlaceHolder 2"/>
+            <a:pPr algn="ctr"/>
+            <a:endParaRPr b="0" lang="es-ES" sz="4400" spc="-1" strike="noStrike">
+              <a:latin typeface="Arial"/>
+            </a:endParaRPr>
+          </a:p>
+        </p:txBody>
+      </p:sp>
+      <p:sp>
+        <p:nvSpPr>
+          <p:cNvPr id="22" name="PlaceHolder 2"/>
           <p:cNvSpPr>
             <a:spLocks noGrp="1"/>
           </p:cNvSpPr>
@@ -2824,8 +2649,8 @@
         </p:nvSpPr>
         <p:spPr>
           <a:xfrm>
-            <a:off x="1115640" y="2477880"/>
-            <a:ext cx="4961880" cy="1761840"/>
+            <a:off x="609480" y="1604520"/>
+            <a:ext cx="5354280" cy="1896840"/>
           </a:xfrm>
           <a:prstGeom prst="rect">
             <a:avLst/>
@@ -2836,18 +2661,15 @@
             <a:normAutofit/>
           </a:bodyPr>
           <a:p>
-            <a:endParaRPr b="0" lang="es-ES" sz="2800" spc="-1" strike="noStrike">
-              <a:solidFill>
-                <a:srgbClr val="000000"/>
-              </a:solidFill>
-              <a:latin typeface="Avenir Next LT Pro"/>
-            </a:endParaRPr>
-          </a:p>
-        </p:txBody>
-      </p:sp>
-      <p:sp>
-        <p:nvSpPr>
-          <p:cNvPr id="26" name="PlaceHolder 3"/>
+            <a:endParaRPr b="0" lang="es-ES" sz="3200" spc="-1" strike="noStrike">
+              <a:latin typeface="Arial"/>
+            </a:endParaRPr>
+          </a:p>
+        </p:txBody>
+      </p:sp>
+      <p:sp>
+        <p:nvSpPr>
+          <p:cNvPr id="23" name="PlaceHolder 3"/>
           <p:cNvSpPr>
             <a:spLocks noGrp="1"/>
           </p:cNvSpPr>
@@ -2857,8 +2679,8 @@
         </p:nvSpPr>
         <p:spPr>
           <a:xfrm>
-            <a:off x="6325920" y="2477880"/>
-            <a:ext cx="4961880" cy="1761840"/>
+            <a:off x="6231960" y="1604520"/>
+            <a:ext cx="5354280" cy="1896840"/>
           </a:xfrm>
           <a:prstGeom prst="rect">
             <a:avLst/>
@@ -2869,18 +2691,15 @@
             <a:normAutofit/>
           </a:bodyPr>
           <a:p>
-            <a:endParaRPr b="0" lang="es-ES" sz="2800" spc="-1" strike="noStrike">
-              <a:solidFill>
-                <a:srgbClr val="000000"/>
-              </a:solidFill>
-              <a:latin typeface="Avenir Next LT Pro"/>
-            </a:endParaRPr>
-          </a:p>
-        </p:txBody>
-      </p:sp>
-      <p:sp>
-        <p:nvSpPr>
-          <p:cNvPr id="27" name="PlaceHolder 4"/>
+            <a:endParaRPr b="0" lang="es-ES" sz="3200" spc="-1" strike="noStrike">
+              <a:latin typeface="Arial"/>
+            </a:endParaRPr>
+          </a:p>
+        </p:txBody>
+      </p:sp>
+      <p:sp>
+        <p:nvSpPr>
+          <p:cNvPr id="24" name="PlaceHolder 4"/>
           <p:cNvSpPr>
             <a:spLocks noGrp="1"/>
           </p:cNvSpPr>
@@ -2890,8 +2709,8 @@
         </p:nvSpPr>
         <p:spPr>
           <a:xfrm>
-            <a:off x="1115640" y="4407480"/>
-            <a:ext cx="10167840" cy="1761840"/>
+            <a:off x="609480" y="3682080"/>
+            <a:ext cx="10972440" cy="1896840"/>
           </a:xfrm>
           <a:prstGeom prst="rect">
             <a:avLst/>
@@ -2902,11 +2721,8 @@
             <a:normAutofit/>
           </a:bodyPr>
           <a:p>
-            <a:endParaRPr b="0" lang="es-ES" sz="2800" spc="-1" strike="noStrike">
-              <a:solidFill>
-                <a:srgbClr val="000000"/>
-              </a:solidFill>
-              <a:latin typeface="Avenir Next LT Pro"/>
+            <a:endParaRPr b="0" lang="es-ES" sz="3200" spc="-1" strike="noStrike">
+              <a:latin typeface="Arial"/>
             </a:endParaRPr>
           </a:p>
         </p:txBody>
@@ -2942,179 +2758,14 @@
       </p:grpSpPr>
       <p:sp>
         <p:nvSpPr>
-          <p:cNvPr id="0" name="PlaceHolder 1"/>
-          <p:cNvSpPr>
-            <a:spLocks noGrp="1"/>
-          </p:cNvSpPr>
-          <p:nvPr>
-            <p:ph type="title"/>
-          </p:nvPr>
-        </p:nvSpPr>
-        <p:spPr>
-          <a:xfrm>
-            <a:off x="576000" y="1124640"/>
-            <a:ext cx="11036520" cy="3172680"/>
-          </a:xfrm>
-          <a:prstGeom prst="rect">
-            <a:avLst/>
-          </a:prstGeom>
-        </p:spPr>
-        <p:txBody>
-          <a:bodyPr anchor="b">
-            <a:normAutofit/>
-          </a:bodyPr>
-          <a:p>
-            <a:pPr>
-              <a:lnSpc>
-                <a:spcPct val="90000"/>
-              </a:lnSpc>
-            </a:pPr>
-            <a:r>
-              <a:rPr b="0" lang="en-US" sz="8000" spc="-1" strike="noStrike">
-                <a:solidFill>
-                  <a:srgbClr val="000000"/>
-                </a:solidFill>
-                <a:latin typeface="Avenir Next LT Pro"/>
-              </a:rPr>
-              <a:t>Click to edit Master title style</a:t>
-            </a:r>
-            <a:endParaRPr b="0" lang="es-ES" sz="8000" spc="-1" strike="noStrike">
-              <a:solidFill>
-                <a:srgbClr val="000000"/>
-              </a:solidFill>
-              <a:latin typeface="Avenir Next LT Pro"/>
-            </a:endParaRPr>
-          </a:p>
-        </p:txBody>
-      </p:sp>
-      <p:sp>
-        <p:nvSpPr>
-          <p:cNvPr id="1" name="PlaceHolder 2"/>
-          <p:cNvSpPr>
-            <a:spLocks noGrp="1"/>
-          </p:cNvSpPr>
-          <p:nvPr>
-            <p:ph type="dt"/>
-          </p:nvPr>
-        </p:nvSpPr>
-        <p:spPr>
-          <a:xfrm>
-            <a:off x="576000" y="6356520"/>
-            <a:ext cx="2742840" cy="364680"/>
-          </a:xfrm>
-          <a:prstGeom prst="rect">
-            <a:avLst/>
-          </a:prstGeom>
-        </p:spPr>
-        <p:txBody>
-          <a:bodyPr anchor="ctr">
-            <a:noAutofit/>
-          </a:bodyPr>
-          <a:p>
-            <a:pPr>
-              <a:lnSpc>
-                <a:spcPct val="100000"/>
-              </a:lnSpc>
-            </a:pPr>
-            <a:fld id="{8B1EB207-D338-40C9-BE6F-361DBCEDC38E}" type="datetime">
-              <a:rPr b="0" lang="en-US" sz="1200" spc="-1" strike="noStrike">
-                <a:solidFill>
-                  <a:srgbClr val="8b8b8b"/>
-                </a:solidFill>
-                <a:latin typeface="Avenir Next LT Pro"/>
-              </a:rPr>
-              <a:t>1/13/22</a:t>
-            </a:fld>
-            <a:endParaRPr b="0" lang="es-ES" sz="1200" spc="-1" strike="noStrike">
-              <a:latin typeface="Times New Roman"/>
-            </a:endParaRPr>
-          </a:p>
-        </p:txBody>
-      </p:sp>
-      <p:sp>
-        <p:nvSpPr>
-          <p:cNvPr id="2" name="PlaceHolder 3"/>
-          <p:cNvSpPr>
-            <a:spLocks noGrp="1"/>
-          </p:cNvSpPr>
-          <p:nvPr>
-            <p:ph type="ftr"/>
-          </p:nvPr>
-        </p:nvSpPr>
-        <p:spPr>
-          <a:xfrm>
-            <a:off x="4038480" y="6356520"/>
-            <a:ext cx="4114440" cy="364680"/>
-          </a:xfrm>
-          <a:prstGeom prst="rect">
-            <a:avLst/>
-          </a:prstGeom>
-        </p:spPr>
-        <p:txBody>
-          <a:bodyPr anchor="ctr">
-            <a:noAutofit/>
-          </a:bodyPr>
-          <a:p>
-            <a:endParaRPr b="0" lang="es-ES" sz="2400" spc="-1" strike="noStrike">
-              <a:latin typeface="Times New Roman"/>
-            </a:endParaRPr>
-          </a:p>
-        </p:txBody>
-      </p:sp>
-      <p:sp>
-        <p:nvSpPr>
-          <p:cNvPr id="3" name="PlaceHolder 4"/>
-          <p:cNvSpPr>
-            <a:spLocks noGrp="1"/>
-          </p:cNvSpPr>
-          <p:nvPr>
-            <p:ph type="sldNum"/>
-          </p:nvPr>
-        </p:nvSpPr>
-        <p:spPr>
-          <a:xfrm>
-            <a:off x="8869680" y="6356520"/>
-            <a:ext cx="2742840" cy="364680"/>
-          </a:xfrm>
-          <a:prstGeom prst="rect">
-            <a:avLst/>
-          </a:prstGeom>
-        </p:spPr>
-        <p:txBody>
-          <a:bodyPr anchor="ctr">
-            <a:noAutofit/>
-          </a:bodyPr>
-          <a:p>
-            <a:pPr algn="r">
-              <a:lnSpc>
-                <a:spcPct val="100000"/>
-              </a:lnSpc>
-            </a:pPr>
-            <a:fld id="{76C1B49C-506B-442D-9A4B-62880E61A89E}" type="slidenum">
-              <a:rPr b="0" lang="en-US" sz="1200" spc="-1" strike="noStrike">
-                <a:solidFill>
-                  <a:srgbClr val="8b8b8b"/>
-                </a:solidFill>
-                <a:latin typeface="Avenir Next LT Pro"/>
-              </a:rPr>
-              <a:t>&lt;número&gt;</a:t>
-            </a:fld>
-            <a:endParaRPr b="0" lang="es-ES" sz="1200" spc="-1" strike="noStrike">
-              <a:latin typeface="Times New Roman"/>
-            </a:endParaRPr>
-          </a:p>
-        </p:txBody>
-      </p:sp>
-      <p:sp>
-        <p:nvSpPr>
-          <p:cNvPr id="4" name="CustomShape 5"/>
+          <p:cNvPr id="0" name="CustomShape 1"/>
           <p:cNvSpPr/>
           <p:nvPr/>
         </p:nvSpPr>
         <p:spPr>
           <a:xfrm rot="5400000">
-            <a:off x="857880" y="346320"/>
-            <a:ext cx="145800" cy="703800"/>
+            <a:off x="858600" y="345600"/>
+            <a:ext cx="145080" cy="703080"/>
           </a:xfrm>
           <a:prstGeom prst="rect">
             <a:avLst/>
@@ -3143,14 +2794,14 @@
       </p:sp>
       <p:sp>
         <p:nvSpPr>
-          <p:cNvPr id="5" name="CustomShape 6"/>
+          <p:cNvPr id="1" name="CustomShape 2"/>
           <p:cNvSpPr/>
           <p:nvPr/>
         </p:nvSpPr>
         <p:spPr>
           <a:xfrm flipV="1">
-            <a:off x="578520" y="4500720"/>
-            <a:ext cx="11034360" cy="18000"/>
+            <a:off x="578520" y="4499280"/>
+            <a:ext cx="11033640" cy="17280"/>
           </a:xfrm>
           <a:prstGeom prst="rect">
             <a:avLst/>
@@ -3182,7 +2833,44 @@
       </p:sp>
       <p:sp>
         <p:nvSpPr>
-          <p:cNvPr id="6" name="PlaceHolder 7"/>
+          <p:cNvPr id="2" name="PlaceHolder 3"/>
+          <p:cNvSpPr>
+            <a:spLocks noGrp="1"/>
+          </p:cNvSpPr>
+          <p:nvPr>
+            <p:ph type="title"/>
+          </p:nvPr>
+        </p:nvSpPr>
+        <p:spPr>
+          <a:xfrm>
+            <a:off x="609480" y="273600"/>
+            <a:ext cx="10972080" cy="1144440"/>
+          </a:xfrm>
+          <a:prstGeom prst="rect">
+            <a:avLst/>
+          </a:prstGeom>
+        </p:spPr>
+        <p:txBody>
+          <a:bodyPr lIns="0" rIns="0" tIns="0" bIns="0" anchor="ctr">
+            <a:noAutofit/>
+          </a:bodyPr>
+          <a:p>
+            <a:pPr algn="ctr"/>
+            <a:r>
+              <a:rPr b="0" lang="es-ES" sz="1800" spc="-1" strike="noStrike">
+                <a:latin typeface="Arial"/>
+              </a:rPr>
+              <a:t>Pulse para editar el formato del texto de título</a:t>
+            </a:r>
+            <a:endParaRPr b="0" lang="es-ES" sz="1800" spc="-1" strike="noStrike">
+              <a:latin typeface="Arial"/>
+            </a:endParaRPr>
+          </a:p>
+        </p:txBody>
+      </p:sp>
+      <p:sp>
+        <p:nvSpPr>
+          <p:cNvPr id="3" name="PlaceHolder 4"/>
           <p:cNvSpPr>
             <a:spLocks noGrp="1"/>
           </p:cNvSpPr>
@@ -3193,7 +2881,7 @@
         <p:spPr>
           <a:xfrm>
             <a:off x="609480" y="1604520"/>
-            <a:ext cx="10972440" cy="3977280"/>
+            <a:ext cx="10972080" cy="3976920"/>
           </a:xfrm>
           <a:prstGeom prst="rect">
             <a:avLst/>
@@ -3204,7 +2892,7 @@
             <a:normAutofit/>
           </a:bodyPr>
           <a:p>
-            <a:pPr marL="432000" indent="-324000">
+            <a:pPr marL="432000" indent="-324000" algn="ctr">
               <a:spcBef>
                 <a:spcPts val="1417"/>
               </a:spcBef>
@@ -3216,23 +2904,17 @@
               <a:buChar char=""/>
             </a:pPr>
             <a:r>
-              <a:rPr b="0" lang="es-ES" sz="2800" spc="-1" strike="noStrike">
-                <a:solidFill>
-                  <a:srgbClr val="000000"/>
-                </a:solidFill>
-                <a:latin typeface="Avenir Next LT Pro"/>
+              <a:rPr b="0" lang="es-ES" sz="1800" spc="-1" strike="noStrike">
+                <a:latin typeface="Arial"/>
               </a:rPr>
               <a:t>Pulse para editar el formato de esquema del texto</a:t>
             </a:r>
-            <a:endParaRPr b="0" lang="es-ES" sz="2800" spc="-1" strike="noStrike">
-              <a:solidFill>
-                <a:srgbClr val="000000"/>
-              </a:solidFill>
-              <a:latin typeface="Avenir Next LT Pro"/>
-            </a:endParaRPr>
-          </a:p>
-          <a:p>
-            <a:pPr lvl="1" marL="864000" indent="-324000">
+            <a:endParaRPr b="0" lang="es-ES" sz="1800" spc="-1" strike="noStrike">
+              <a:latin typeface="Arial"/>
+            </a:endParaRPr>
+          </a:p>
+          <a:p>
+            <a:pPr lvl="1" marL="864000" indent="-324000" algn="ctr">
               <a:spcBef>
                 <a:spcPts val="1134"/>
               </a:spcBef>
@@ -3244,23 +2926,17 @@
               <a:buChar char=""/>
             </a:pPr>
             <a:r>
-              <a:rPr b="0" lang="es-ES" sz="2000" spc="-1" strike="noStrike">
-                <a:solidFill>
-                  <a:srgbClr val="000000"/>
-                </a:solidFill>
-                <a:latin typeface="Avenir Next LT Pro"/>
+              <a:rPr b="0" lang="es-ES" sz="1800" spc="-1" strike="noStrike">
+                <a:latin typeface="Arial"/>
               </a:rPr>
               <a:t>Segundo nivel del esquema</a:t>
             </a:r>
-            <a:endParaRPr b="0" lang="es-ES" sz="2000" spc="-1" strike="noStrike">
-              <a:solidFill>
-                <a:srgbClr val="000000"/>
-              </a:solidFill>
-              <a:latin typeface="Avenir Next LT Pro"/>
-            </a:endParaRPr>
-          </a:p>
-          <a:p>
-            <a:pPr lvl="2" marL="1296000" indent="-288000">
+            <a:endParaRPr b="0" lang="es-ES" sz="1800" spc="-1" strike="noStrike">
+              <a:latin typeface="Arial"/>
+            </a:endParaRPr>
+          </a:p>
+          <a:p>
+            <a:pPr lvl="2" marL="1296000" indent="-288000" algn="ctr">
               <a:spcBef>
                 <a:spcPts val="850"/>
               </a:spcBef>
@@ -3273,22 +2949,16 @@
             </a:pPr>
             <a:r>
               <a:rPr b="0" lang="es-ES" sz="1800" spc="-1" strike="noStrike">
-                <a:solidFill>
-                  <a:srgbClr val="000000"/>
-                </a:solidFill>
-                <a:latin typeface="Avenir Next LT Pro"/>
+                <a:latin typeface="Arial"/>
               </a:rPr>
               <a:t>Tercer nivel del esquema</a:t>
             </a:r>
             <a:endParaRPr b="0" lang="es-ES" sz="1800" spc="-1" strike="noStrike">
-              <a:solidFill>
-                <a:srgbClr val="000000"/>
-              </a:solidFill>
-              <a:latin typeface="Avenir Next LT Pro"/>
-            </a:endParaRPr>
-          </a:p>
-          <a:p>
-            <a:pPr lvl="3" marL="1728000" indent="-216000">
+              <a:latin typeface="Arial"/>
+            </a:endParaRPr>
+          </a:p>
+          <a:p>
+            <a:pPr lvl="3" marL="1728000" indent="-216000" algn="ctr">
               <a:spcBef>
                 <a:spcPts val="567"/>
               </a:spcBef>
@@ -3301,22 +2971,16 @@
             </a:pPr>
             <a:r>
               <a:rPr b="0" lang="es-ES" sz="1800" spc="-1" strike="noStrike">
-                <a:solidFill>
-                  <a:srgbClr val="000000"/>
-                </a:solidFill>
-                <a:latin typeface="Avenir Next LT Pro"/>
+                <a:latin typeface="Arial"/>
               </a:rPr>
               <a:t>Cuarto nivel del esquema</a:t>
             </a:r>
             <a:endParaRPr b="0" lang="es-ES" sz="1800" spc="-1" strike="noStrike">
-              <a:solidFill>
-                <a:srgbClr val="000000"/>
-              </a:solidFill>
-              <a:latin typeface="Avenir Next LT Pro"/>
-            </a:endParaRPr>
-          </a:p>
-          <a:p>
-            <a:pPr lvl="4" marL="2160000" indent="-216000">
+              <a:latin typeface="Arial"/>
+            </a:endParaRPr>
+          </a:p>
+          <a:p>
+            <a:pPr lvl="4" marL="2160000" indent="-216000" algn="ctr">
               <a:spcBef>
                 <a:spcPts val="283"/>
               </a:spcBef>
@@ -3328,23 +2992,17 @@
               <a:buChar char=""/>
             </a:pPr>
             <a:r>
-              <a:rPr b="0" lang="es-ES" sz="2000" spc="-1" strike="noStrike">
-                <a:solidFill>
-                  <a:srgbClr val="000000"/>
-                </a:solidFill>
-                <a:latin typeface="Avenir Next LT Pro"/>
+              <a:rPr b="0" lang="es-ES" sz="1800" spc="-1" strike="noStrike">
+                <a:latin typeface="Arial"/>
               </a:rPr>
               <a:t>Quinto nivel del esquema</a:t>
             </a:r>
-            <a:endParaRPr b="0" lang="es-ES" sz="2000" spc="-1" strike="noStrike">
-              <a:solidFill>
-                <a:srgbClr val="000000"/>
-              </a:solidFill>
-              <a:latin typeface="Avenir Next LT Pro"/>
-            </a:endParaRPr>
-          </a:p>
-          <a:p>
-            <a:pPr lvl="5" marL="2592000" indent="-216000">
+            <a:endParaRPr b="0" lang="es-ES" sz="1800" spc="-1" strike="noStrike">
+              <a:latin typeface="Arial"/>
+            </a:endParaRPr>
+          </a:p>
+          <a:p>
+            <a:pPr lvl="5" marL="2592000" indent="-216000" algn="ctr">
               <a:spcBef>
                 <a:spcPts val="283"/>
               </a:spcBef>
@@ -3356,23 +3014,17 @@
               <a:buChar char=""/>
             </a:pPr>
             <a:r>
-              <a:rPr b="0" lang="es-ES" sz="2000" spc="-1" strike="noStrike">
-                <a:solidFill>
-                  <a:srgbClr val="000000"/>
-                </a:solidFill>
-                <a:latin typeface="Avenir Next LT Pro"/>
+              <a:rPr b="0" lang="es-ES" sz="1800" spc="-1" strike="noStrike">
+                <a:latin typeface="Arial"/>
               </a:rPr>
               <a:t>Sexto nivel del esquema</a:t>
             </a:r>
-            <a:endParaRPr b="0" lang="es-ES" sz="2000" spc="-1" strike="noStrike">
-              <a:solidFill>
-                <a:srgbClr val="000000"/>
-              </a:solidFill>
-              <a:latin typeface="Avenir Next LT Pro"/>
-            </a:endParaRPr>
-          </a:p>
-          <a:p>
-            <a:pPr lvl="6" marL="3024000" indent="-216000">
+            <a:endParaRPr b="0" lang="es-ES" sz="1800" spc="-1" strike="noStrike">
+              <a:latin typeface="Arial"/>
+            </a:endParaRPr>
+          </a:p>
+          <a:p>
+            <a:pPr lvl="6" marL="3024000" indent="-216000" algn="ctr">
               <a:spcBef>
                 <a:spcPts val="283"/>
               </a:spcBef>
@@ -3384,19 +3036,13 @@
               <a:buChar char=""/>
             </a:pPr>
             <a:r>
-              <a:rPr b="0" lang="es-ES" sz="2000" spc="-1" strike="noStrike">
-                <a:solidFill>
-                  <a:srgbClr val="000000"/>
-                </a:solidFill>
-                <a:latin typeface="Avenir Next LT Pro"/>
+              <a:rPr b="0" lang="es-ES" sz="1800" spc="-1" strike="noStrike">
+                <a:latin typeface="Arial"/>
               </a:rPr>
               <a:t>Séptimo nivel del esquema</a:t>
             </a:r>
-            <a:endParaRPr b="0" lang="es-ES" sz="2000" spc="-1" strike="noStrike">
-              <a:solidFill>
-                <a:srgbClr val="000000"/>
-              </a:solidFill>
-              <a:latin typeface="Avenir Next LT Pro"/>
+            <a:endParaRPr b="0" lang="es-ES" sz="1800" spc="-1" strike="noStrike">
+              <a:latin typeface="Arial"/>
             </a:endParaRPr>
           </a:p>
         </p:txBody>
@@ -3447,14 +3093,14 @@
       </p:grpSpPr>
       <p:sp>
         <p:nvSpPr>
-          <p:cNvPr id="43" name="CustomShape 1"/>
+          <p:cNvPr id="40" name="CustomShape 1"/>
           <p:cNvSpPr/>
           <p:nvPr/>
         </p:nvSpPr>
         <p:spPr>
           <a:xfrm>
             <a:off x="558360" y="0"/>
-            <a:ext cx="11167200" cy="2018520"/>
+            <a:ext cx="11166480" cy="2017800"/>
           </a:xfrm>
           <a:prstGeom prst="rect">
             <a:avLst/>
@@ -3496,14 +3142,14 @@
       </p:sp>
       <p:sp>
         <p:nvSpPr>
-          <p:cNvPr id="44" name="CustomShape 2"/>
+          <p:cNvPr id="41" name="CustomShape 2"/>
           <p:cNvSpPr/>
           <p:nvPr/>
         </p:nvSpPr>
         <p:spPr>
           <a:xfrm>
             <a:off x="567000" y="0"/>
-            <a:ext cx="11155320" cy="2011320"/>
+            <a:ext cx="11154600" cy="2010600"/>
           </a:xfrm>
           <a:prstGeom prst="rect">
             <a:avLst/>
@@ -3532,14 +3178,14 @@
       </p:sp>
       <p:sp>
         <p:nvSpPr>
-          <p:cNvPr id="45" name="CustomShape 3"/>
+          <p:cNvPr id="42" name="CustomShape 3"/>
           <p:cNvSpPr/>
           <p:nvPr/>
         </p:nvSpPr>
         <p:spPr>
           <a:xfrm>
             <a:off x="498960" y="787320"/>
-            <a:ext cx="127800" cy="703800"/>
+            <a:ext cx="127080" cy="703080"/>
           </a:xfrm>
           <a:prstGeom prst="rect">
             <a:avLst/>
@@ -3568,7 +3214,7 @@
       </p:sp>
       <p:sp>
         <p:nvSpPr>
-          <p:cNvPr id="46" name="PlaceHolder 4"/>
+          <p:cNvPr id="43" name="PlaceHolder 4"/>
           <p:cNvSpPr>
             <a:spLocks noGrp="1"/>
           </p:cNvSpPr>
@@ -3578,44 +3224,34 @@
         </p:nvSpPr>
         <p:spPr>
           <a:xfrm>
-            <a:off x="1115640" y="548640"/>
-            <a:ext cx="10167840" cy="1179360"/>
-          </a:xfrm>
-          <a:prstGeom prst="rect">
-            <a:avLst/>
-          </a:prstGeom>
-        </p:spPr>
-        <p:txBody>
-          <a:bodyPr anchor="ctr">
-            <a:normAutofit/>
-          </a:bodyPr>
-          <a:p>
-            <a:pPr>
-              <a:lnSpc>
-                <a:spcPct val="90000"/>
-              </a:lnSpc>
-            </a:pPr>
+            <a:off x="609480" y="273600"/>
+            <a:ext cx="10972440" cy="1144800"/>
+          </a:xfrm>
+          <a:prstGeom prst="rect">
+            <a:avLst/>
+          </a:prstGeom>
+        </p:spPr>
+        <p:txBody>
+          <a:bodyPr lIns="0" rIns="0" tIns="0" bIns="0" anchor="ctr">
+            <a:noAutofit/>
+          </a:bodyPr>
+          <a:p>
+            <a:pPr algn="ctr"/>
             <a:r>
-              <a:rPr b="0" lang="en-US" sz="4000" spc="-1" strike="noStrike">
-                <a:solidFill>
-                  <a:srgbClr val="000000"/>
-                </a:solidFill>
-                <a:latin typeface="Avenir Next LT Pro"/>
+              <a:rPr b="0" lang="es-ES" sz="4400" spc="-1" strike="noStrike">
+                <a:latin typeface="Arial"/>
               </a:rPr>
-              <a:t>Click to edit Master title style</a:t>
+              <a:t>Pulse para editar el formato del texto de título</a:t>
             </a:r>
-            <a:endParaRPr b="0" lang="es-ES" sz="4000" spc="-1" strike="noStrike">
-              <a:solidFill>
-                <a:srgbClr val="000000"/>
-              </a:solidFill>
-              <a:latin typeface="Avenir Next LT Pro"/>
-            </a:endParaRPr>
-          </a:p>
-        </p:txBody>
-      </p:sp>
-      <p:sp>
-        <p:nvSpPr>
-          <p:cNvPr id="47" name="PlaceHolder 5"/>
+            <a:endParaRPr b="0" lang="es-ES" sz="4400" spc="-1" strike="noStrike">
+              <a:latin typeface="Arial"/>
+            </a:endParaRPr>
+          </a:p>
+        </p:txBody>
+      </p:sp>
+      <p:sp>
+        <p:nvSpPr>
+          <p:cNvPr id="44" name="PlaceHolder 5"/>
           <p:cNvSpPr>
             <a:spLocks noGrp="1"/>
           </p:cNvSpPr>
@@ -3625,283 +3261,169 @@
         </p:nvSpPr>
         <p:spPr>
           <a:xfrm>
-            <a:off x="1115640" y="2477880"/>
-            <a:ext cx="10167840" cy="3693960"/>
-          </a:xfrm>
-          <a:prstGeom prst="rect">
-            <a:avLst/>
-          </a:prstGeom>
-        </p:spPr>
-        <p:txBody>
-          <a:bodyPr>
-            <a:noAutofit/>
-          </a:bodyPr>
-          <a:p>
-            <a:pPr marL="228600" indent="-228240">
-              <a:lnSpc>
-                <a:spcPct val="110000"/>
-              </a:lnSpc>
+            <a:off x="609480" y="1604520"/>
+            <a:ext cx="10972440" cy="3977280"/>
+          </a:xfrm>
+          <a:prstGeom prst="rect">
+            <a:avLst/>
+          </a:prstGeom>
+        </p:spPr>
+        <p:txBody>
+          <a:bodyPr lIns="0" rIns="0" tIns="0" bIns="0">
+            <a:normAutofit/>
+          </a:bodyPr>
+          <a:p>
+            <a:pPr marL="432000" indent="-324000">
               <a:spcBef>
-                <a:spcPts val="1001"/>
+                <a:spcPts val="1417"/>
               </a:spcBef>
               <a:buClr>
                 <a:srgbClr val="000000"/>
               </a:buClr>
-              <a:buFont typeface="Arial"/>
-              <a:buChar char="•"/>
+              <a:buSzPct val="45000"/>
+              <a:buFont typeface="Wingdings" charset="2"/>
+              <a:buChar char=""/>
             </a:pPr>
             <a:r>
-              <a:rPr b="0" lang="en-US" sz="2800" spc="-1" strike="noStrike">
-                <a:solidFill>
-                  <a:srgbClr val="000000"/>
-                </a:solidFill>
-                <a:latin typeface="Avenir Next LT Pro"/>
+              <a:rPr b="0" lang="es-ES" sz="3200" spc="-1" strike="noStrike">
+                <a:latin typeface="Arial"/>
               </a:rPr>
-              <a:t>Click to edit Master text styles</a:t>
+              <a:t>Pulse para editar el formato de esquema del texto</a:t>
             </a:r>
-            <a:endParaRPr b="0" lang="es-ES" sz="2800" spc="-1" strike="noStrike">
-              <a:solidFill>
-                <a:srgbClr val="000000"/>
-              </a:solidFill>
-              <a:latin typeface="Avenir Next LT Pro"/>
-            </a:endParaRPr>
-          </a:p>
-          <a:p>
-            <a:pPr lvl="1" marL="685800" indent="-228240">
-              <a:lnSpc>
-                <a:spcPct val="110000"/>
-              </a:lnSpc>
+            <a:endParaRPr b="0" lang="es-ES" sz="3200" spc="-1" strike="noStrike">
+              <a:latin typeface="Arial"/>
+            </a:endParaRPr>
+          </a:p>
+          <a:p>
+            <a:pPr lvl="1" marL="864000" indent="-324000">
               <a:spcBef>
-                <a:spcPts val="499"/>
+                <a:spcPts val="1134"/>
               </a:spcBef>
               <a:buClr>
                 <a:srgbClr val="000000"/>
               </a:buClr>
-              <a:buFont typeface="Arial"/>
-              <a:buChar char="•"/>
+              <a:buSzPct val="75000"/>
+              <a:buFont typeface="Symbol" charset="2"/>
+              <a:buChar char=""/>
             </a:pPr>
             <a:r>
-              <a:rPr b="0" lang="en-US" sz="2400" spc="-1" strike="noStrike">
-                <a:solidFill>
-                  <a:srgbClr val="000000"/>
-                </a:solidFill>
-                <a:latin typeface="Avenir Next LT Pro"/>
+              <a:rPr b="0" lang="es-ES" sz="2800" spc="-1" strike="noStrike">
+                <a:latin typeface="Arial"/>
               </a:rPr>
-              <a:t>Second level</a:t>
+              <a:t>Segundo nivel del esquema</a:t>
             </a:r>
-            <a:endParaRPr b="0" lang="es-ES" sz="2400" spc="-1" strike="noStrike">
-              <a:solidFill>
-                <a:srgbClr val="000000"/>
-              </a:solidFill>
-              <a:latin typeface="Avenir Next LT Pro"/>
-            </a:endParaRPr>
-          </a:p>
-          <a:p>
-            <a:pPr lvl="2" marL="1143000" indent="-228240">
-              <a:lnSpc>
-                <a:spcPct val="110000"/>
-              </a:lnSpc>
+            <a:endParaRPr b="0" lang="es-ES" sz="2800" spc="-1" strike="noStrike">
+              <a:latin typeface="Arial"/>
+            </a:endParaRPr>
+          </a:p>
+          <a:p>
+            <a:pPr lvl="2" marL="1296000" indent="-288000">
               <a:spcBef>
-                <a:spcPts val="499"/>
+                <a:spcPts val="850"/>
               </a:spcBef>
               <a:buClr>
                 <a:srgbClr val="000000"/>
               </a:buClr>
-              <a:buFont typeface="Arial"/>
-              <a:buChar char="•"/>
+              <a:buSzPct val="45000"/>
+              <a:buFont typeface="Wingdings" charset="2"/>
+              <a:buChar char=""/>
             </a:pPr>
             <a:r>
-              <a:rPr b="0" lang="en-US" sz="2000" spc="-1" strike="noStrike">
-                <a:solidFill>
-                  <a:srgbClr val="000000"/>
-                </a:solidFill>
-                <a:latin typeface="Avenir Next LT Pro"/>
+              <a:rPr b="0" lang="es-ES" sz="2400" spc="-1" strike="noStrike">
+                <a:latin typeface="Arial"/>
               </a:rPr>
-              <a:t>Third level</a:t>
+              <a:t>Tercer nivel del esquema</a:t>
             </a:r>
-            <a:endParaRPr b="0" lang="es-ES" sz="2000" spc="-1" strike="noStrike">
-              <a:solidFill>
-                <a:srgbClr val="000000"/>
-              </a:solidFill>
-              <a:latin typeface="Avenir Next LT Pro"/>
-            </a:endParaRPr>
-          </a:p>
-          <a:p>
-            <a:pPr lvl="3" marL="1600200" indent="-228240">
-              <a:lnSpc>
-                <a:spcPct val="110000"/>
-              </a:lnSpc>
+            <a:endParaRPr b="0" lang="es-ES" sz="2400" spc="-1" strike="noStrike">
+              <a:latin typeface="Arial"/>
+            </a:endParaRPr>
+          </a:p>
+          <a:p>
+            <a:pPr lvl="3" marL="1728000" indent="-216000">
               <a:spcBef>
-                <a:spcPts val="499"/>
+                <a:spcPts val="567"/>
               </a:spcBef>
               <a:buClr>
                 <a:srgbClr val="000000"/>
               </a:buClr>
-              <a:buFont typeface="Arial"/>
-              <a:buChar char="•"/>
+              <a:buSzPct val="75000"/>
+              <a:buFont typeface="Symbol" charset="2"/>
+              <a:buChar char=""/>
             </a:pPr>
             <a:r>
-              <a:rPr b="0" lang="en-US" sz="1800" spc="-1" strike="noStrike">
-                <a:solidFill>
-                  <a:srgbClr val="000000"/>
-                </a:solidFill>
-                <a:latin typeface="Avenir Next LT Pro"/>
+              <a:rPr b="0" lang="es-ES" sz="2000" spc="-1" strike="noStrike">
+                <a:latin typeface="Arial"/>
               </a:rPr>
-              <a:t>Fourth level</a:t>
+              <a:t>Cuarto nivel del esquema</a:t>
             </a:r>
-            <a:endParaRPr b="0" lang="es-ES" sz="1800" spc="-1" strike="noStrike">
-              <a:solidFill>
-                <a:srgbClr val="000000"/>
-              </a:solidFill>
-              <a:latin typeface="Avenir Next LT Pro"/>
-            </a:endParaRPr>
-          </a:p>
-          <a:p>
-            <a:pPr lvl="4" marL="2057400" indent="-228240">
-              <a:lnSpc>
-                <a:spcPct val="110000"/>
-              </a:lnSpc>
+            <a:endParaRPr b="0" lang="es-ES" sz="2000" spc="-1" strike="noStrike">
+              <a:latin typeface="Arial"/>
+            </a:endParaRPr>
+          </a:p>
+          <a:p>
+            <a:pPr lvl="4" marL="2160000" indent="-216000">
               <a:spcBef>
-                <a:spcPts val="499"/>
+                <a:spcPts val="283"/>
               </a:spcBef>
               <a:buClr>
                 <a:srgbClr val="000000"/>
               </a:buClr>
-              <a:buFont typeface="Arial"/>
-              <a:buChar char="•"/>
+              <a:buSzPct val="45000"/>
+              <a:buFont typeface="Wingdings" charset="2"/>
+              <a:buChar char=""/>
             </a:pPr>
             <a:r>
-              <a:rPr b="0" lang="en-US" sz="1800" spc="-1" strike="noStrike">
-                <a:solidFill>
-                  <a:srgbClr val="000000"/>
-                </a:solidFill>
-                <a:latin typeface="Avenir Next LT Pro"/>
+              <a:rPr b="0" lang="es-ES" sz="2000" spc="-1" strike="noStrike">
+                <a:latin typeface="Arial"/>
               </a:rPr>
-              <a:t>Fifth level</a:t>
+              <a:t>Quinto nivel del esquema</a:t>
             </a:r>
-            <a:endParaRPr b="0" lang="es-ES" sz="1800" spc="-1" strike="noStrike">
-              <a:solidFill>
+            <a:endParaRPr b="0" lang="es-ES" sz="2000" spc="-1" strike="noStrike">
+              <a:latin typeface="Arial"/>
+            </a:endParaRPr>
+          </a:p>
+          <a:p>
+            <a:pPr lvl="5" marL="2592000" indent="-216000">
+              <a:spcBef>
+                <a:spcPts val="283"/>
+              </a:spcBef>
+              <a:buClr>
                 <a:srgbClr val="000000"/>
-              </a:solidFill>
-              <a:latin typeface="Avenir Next LT Pro"/>
-            </a:endParaRPr>
-          </a:p>
-        </p:txBody>
-      </p:sp>
-      <p:sp>
-        <p:nvSpPr>
-          <p:cNvPr id="48" name="PlaceHolder 6"/>
-          <p:cNvSpPr>
-            <a:spLocks noGrp="1"/>
-          </p:cNvSpPr>
-          <p:nvPr>
-            <p:ph type="dt"/>
-          </p:nvPr>
-        </p:nvSpPr>
-        <p:spPr>
-          <a:xfrm>
-            <a:off x="1115640" y="6356520"/>
-            <a:ext cx="2742840" cy="364680"/>
-          </a:xfrm>
-          <a:prstGeom prst="rect">
-            <a:avLst/>
-          </a:prstGeom>
-        </p:spPr>
-        <p:txBody>
-          <a:bodyPr anchor="ctr">
-            <a:noAutofit/>
-          </a:bodyPr>
-          <a:p>
-            <a:pPr>
-              <a:lnSpc>
-                <a:spcPct val="100000"/>
-              </a:lnSpc>
+              </a:buClr>
+              <a:buSzPct val="45000"/>
+              <a:buFont typeface="Wingdings" charset="2"/>
+              <a:buChar char=""/>
             </a:pPr>
-            <a:fld id="{9F7A44FC-7907-4FAB-9ACA-35A44DA0AD6A}" type="datetime">
-              <a:rPr b="0" lang="en-US" sz="1200" spc="-1" strike="noStrike">
-                <a:solidFill>
-                  <a:srgbClr val="8b8b8b"/>
-                </a:solidFill>
-                <a:latin typeface="Avenir Next LT Pro"/>
+            <a:r>
+              <a:rPr b="0" lang="es-ES" sz="2000" spc="-1" strike="noStrike">
+                <a:latin typeface="Arial"/>
               </a:rPr>
-              <a:t>1/13/22</a:t>
-            </a:fld>
-            <a:endParaRPr b="0" lang="es-ES" sz="1200" spc="-1" strike="noStrike">
-              <a:latin typeface="Times New Roman"/>
-            </a:endParaRPr>
-          </a:p>
-        </p:txBody>
-      </p:sp>
-      <p:sp>
-        <p:nvSpPr>
-          <p:cNvPr id="49" name="PlaceHolder 7"/>
-          <p:cNvSpPr>
-            <a:spLocks noGrp="1"/>
-          </p:cNvSpPr>
-          <p:nvPr>
-            <p:ph type="ftr"/>
-          </p:nvPr>
-        </p:nvSpPr>
-        <p:spPr>
-          <a:xfrm>
-            <a:off x="4038480" y="6356520"/>
-            <a:ext cx="4114440" cy="364680"/>
-          </a:xfrm>
-          <a:prstGeom prst="rect">
-            <a:avLst/>
-          </a:prstGeom>
-        </p:spPr>
-        <p:txBody>
-          <a:bodyPr anchor="ctr">
-            <a:noAutofit/>
-          </a:bodyPr>
-          <a:p>
-            <a:endParaRPr b="0" lang="es-ES" sz="2400" spc="-1" strike="noStrike">
-              <a:latin typeface="Times New Roman"/>
-            </a:endParaRPr>
-          </a:p>
-        </p:txBody>
-      </p:sp>
-      <p:sp>
-        <p:nvSpPr>
-          <p:cNvPr id="50" name="PlaceHolder 8"/>
-          <p:cNvSpPr>
-            <a:spLocks noGrp="1"/>
-          </p:cNvSpPr>
-          <p:nvPr>
-            <p:ph type="sldNum"/>
-          </p:nvPr>
-        </p:nvSpPr>
-        <p:spPr>
-          <a:xfrm>
-            <a:off x="8540640" y="6356520"/>
-            <a:ext cx="2742840" cy="364680"/>
-          </a:xfrm>
-          <a:prstGeom prst="rect">
-            <a:avLst/>
-          </a:prstGeom>
-        </p:spPr>
-        <p:txBody>
-          <a:bodyPr anchor="ctr">
-            <a:noAutofit/>
-          </a:bodyPr>
-          <a:p>
-            <a:pPr algn="r">
-              <a:lnSpc>
-                <a:spcPct val="100000"/>
-              </a:lnSpc>
+              <a:t>Sexto nivel del esquema</a:t>
+            </a:r>
+            <a:endParaRPr b="0" lang="es-ES" sz="2000" spc="-1" strike="noStrike">
+              <a:latin typeface="Arial"/>
+            </a:endParaRPr>
+          </a:p>
+          <a:p>
+            <a:pPr lvl="6" marL="3024000" indent="-216000">
+              <a:spcBef>
+                <a:spcPts val="283"/>
+              </a:spcBef>
+              <a:buClr>
+                <a:srgbClr val="000000"/>
+              </a:buClr>
+              <a:buSzPct val="45000"/>
+              <a:buFont typeface="Wingdings" charset="2"/>
+              <a:buChar char=""/>
             </a:pPr>
-            <a:fld id="{46F9825A-4634-4508-B74D-5DA54E47E190}" type="slidenum">
-              <a:rPr b="0" lang="en-US" sz="1200" spc="-1" strike="noStrike">
-                <a:solidFill>
-                  <a:srgbClr val="8b8b8b"/>
-                </a:solidFill>
-                <a:latin typeface="Avenir Next LT Pro"/>
+            <a:r>
+              <a:rPr b="0" lang="es-ES" sz="2000" spc="-1" strike="noStrike">
+                <a:latin typeface="Arial"/>
               </a:rPr>
-              <a:t>&lt;número&gt;</a:t>
-            </a:fld>
-            <a:endParaRPr b="0" lang="es-ES" sz="1200" spc="-1" strike="noStrike">
-              <a:latin typeface="Times New Roman"/>
+              <a:t>Séptimo nivel del esquema</a:t>
+            </a:r>
+            <a:endParaRPr b="0" lang="es-ES" sz="2000" spc="-1" strike="noStrike">
+              <a:latin typeface="Arial"/>
             </a:endParaRPr>
           </a:p>
         </p:txBody>
@@ -3952,14 +3474,14 @@
       </p:grpSpPr>
       <p:sp>
         <p:nvSpPr>
-          <p:cNvPr id="87" name="CustomShape 1"/>
+          <p:cNvPr id="81" name="CustomShape 1"/>
           <p:cNvSpPr/>
           <p:nvPr/>
         </p:nvSpPr>
         <p:spPr>
           <a:xfrm>
             <a:off x="0" y="0"/>
-            <a:ext cx="12191760" cy="6857640"/>
+            <a:ext cx="12191040" cy="6856920"/>
           </a:xfrm>
           <a:prstGeom prst="rect">
             <a:avLst/>
@@ -3988,7 +3510,7 @@
       </p:sp>
       <p:pic>
         <p:nvPicPr>
-          <p:cNvPr id="88" name="Picture 3" descr="Primer plano de gotas de agua"/>
+          <p:cNvPr id="82" name="Picture 3" descr="Primer plano de gotas de agua"/>
           <p:cNvPicPr/>
           <p:nvPr/>
         </p:nvPicPr>
@@ -4000,7 +3522,7 @@
         <p:spPr>
           <a:xfrm>
             <a:off x="0" y="0"/>
-            <a:ext cx="8668080" cy="6857640"/>
+            <a:ext cx="8667360" cy="6856920"/>
           </a:xfrm>
           <a:prstGeom prst="rect">
             <a:avLst/>
@@ -4012,14 +3534,14 @@
       </p:pic>
       <p:sp>
         <p:nvSpPr>
-          <p:cNvPr id="89" name="CustomShape 2"/>
+          <p:cNvPr id="83" name="CustomShape 2"/>
           <p:cNvSpPr/>
           <p:nvPr/>
         </p:nvSpPr>
         <p:spPr>
-          <a:xfrm flipH="1">
-            <a:off x="3711600" y="0"/>
-            <a:ext cx="8480160" cy="6857640"/>
+          <a:xfrm flipH="1" rot="21591600">
+            <a:off x="3701160" y="9720"/>
+            <a:ext cx="8479440" cy="6856560"/>
           </a:xfrm>
           <a:prstGeom prst="rect">
             <a:avLst/>
@@ -4060,14 +3582,14 @@
       </p:sp>
       <p:sp>
         <p:nvSpPr>
-          <p:cNvPr id="90" name="TextShape 3"/>
-          <p:cNvSpPr txBox="1"/>
+          <p:cNvPr id="84" name="CustomShape 3"/>
+          <p:cNvSpPr/>
           <p:nvPr/>
         </p:nvSpPr>
         <p:spPr>
           <a:xfrm>
             <a:off x="7848720" y="1122480"/>
-            <a:ext cx="4023000" cy="3203640"/>
+            <a:ext cx="4022280" cy="3202920"/>
           </a:xfrm>
           <a:prstGeom prst="rect">
             <a:avLst/>
@@ -4077,8 +3599,14 @@
             <a:noFill/>
           </a:ln>
         </p:spPr>
-        <p:txBody>
-          <a:bodyPr anchor="b">
+        <p:style>
+          <a:lnRef idx="0"/>
+          <a:fillRef idx="0"/>
+          <a:effectRef idx="0"/>
+          <a:fontRef idx="minor"/>
+        </p:style>
+        <p:txBody>
+          <a:bodyPr lIns="90000" rIns="90000" tIns="45000" bIns="45000" anchor="b">
             <a:normAutofit/>
           </a:bodyPr>
           <a:p>
@@ -4121,24 +3649,21 @@
             </a:r>
             <a:br/>
             <a:endParaRPr b="0" lang="es-ES" sz="4800" spc="-1" strike="noStrike">
-              <a:solidFill>
-                <a:srgbClr val="000000"/>
-              </a:solidFill>
-              <a:latin typeface="Avenir Next LT Pro"/>
-            </a:endParaRPr>
-          </a:p>
-        </p:txBody>
-      </p:sp>
-      <p:sp>
-        <p:nvSpPr>
-          <p:cNvPr id="91" name="TextShape 4"/>
-          <p:cNvSpPr txBox="1"/>
+              <a:latin typeface="Arial"/>
+            </a:endParaRPr>
+          </a:p>
+        </p:txBody>
+      </p:sp>
+      <p:sp>
+        <p:nvSpPr>
+          <p:cNvPr id="85" name="CustomShape 4"/>
+          <p:cNvSpPr/>
           <p:nvPr/>
         </p:nvSpPr>
         <p:spPr>
           <a:xfrm>
             <a:off x="7848720" y="4872960"/>
-            <a:ext cx="4023000" cy="1207800"/>
+            <a:ext cx="4022280" cy="1207080"/>
           </a:xfrm>
           <a:prstGeom prst="rect">
             <a:avLst/>
@@ -4148,8 +3673,14 @@
             <a:noFill/>
           </a:ln>
         </p:spPr>
-        <p:txBody>
-          <a:bodyPr>
+        <p:style>
+          <a:lnRef idx="0"/>
+          <a:fillRef idx="0"/>
+          <a:effectRef idx="0"/>
+          <a:fontRef idx="minor"/>
+        </p:style>
+        <p:txBody>
+          <a:bodyPr lIns="90000" rIns="90000" tIns="45000" bIns="45000">
             <a:normAutofit/>
           </a:bodyPr>
           <a:p>
@@ -4167,6 +3698,7 @@
                   <a:srgbClr val="000000"/>
                 </a:solidFill>
                 <a:latin typeface="Avenir Next LT Pro"/>
+                <a:ea typeface="DejaVu Sans"/>
               </a:rPr>
               <a:t>-Equipo 5-</a:t>
             </a:r>
@@ -4189,6 +3721,7 @@
                   <a:srgbClr val="000000"/>
                 </a:solidFill>
                 <a:latin typeface="Avenir Next LT Pro"/>
+                <a:ea typeface="DejaVu Sans"/>
               </a:rPr>
               <a:t>Juan Luis, Camilo, Miguel, Manu</a:t>
             </a:r>
@@ -4200,14 +3733,14 @@
       </p:sp>
       <p:sp>
         <p:nvSpPr>
-          <p:cNvPr id="92" name="CustomShape 5"/>
+          <p:cNvPr id="86" name="CustomShape 5"/>
           <p:cNvSpPr/>
           <p:nvPr/>
         </p:nvSpPr>
         <p:spPr>
           <a:xfrm rot="5400000">
-            <a:off x="8130960" y="346320"/>
-            <a:ext cx="145800" cy="703800"/>
+            <a:off x="8131680" y="345600"/>
+            <a:ext cx="145080" cy="703080"/>
           </a:xfrm>
           <a:prstGeom prst="rect">
             <a:avLst/>
@@ -4236,14 +3769,14 @@
       </p:sp>
       <p:sp>
         <p:nvSpPr>
-          <p:cNvPr id="93" name="CustomShape 6"/>
+          <p:cNvPr id="87" name="CustomShape 6"/>
           <p:cNvSpPr/>
           <p:nvPr/>
         </p:nvSpPr>
         <p:spPr>
           <a:xfrm>
             <a:off x="7851600" y="4546800"/>
-            <a:ext cx="4023000" cy="18000"/>
+            <a:ext cx="4022280" cy="17280"/>
           </a:xfrm>
           <a:prstGeom prst="rect">
             <a:avLst/>
@@ -4317,14 +3850,14 @@
       </p:grpSpPr>
       <p:sp>
         <p:nvSpPr>
-          <p:cNvPr id="94" name="CustomShape 1"/>
+          <p:cNvPr id="88" name="CustomShape 1"/>
           <p:cNvSpPr/>
           <p:nvPr/>
         </p:nvSpPr>
         <p:spPr>
           <a:xfrm>
             <a:off x="0" y="0"/>
-            <a:ext cx="12191760" cy="6857640"/>
+            <a:ext cx="12191040" cy="6856920"/>
           </a:xfrm>
           <a:prstGeom prst="rect">
             <a:avLst/>
@@ -4353,14 +3886,14 @@
       </p:sp>
       <p:sp>
         <p:nvSpPr>
-          <p:cNvPr id="95" name="TextShape 2"/>
-          <p:cNvSpPr txBox="1"/>
+          <p:cNvPr id="89" name="CustomShape 2"/>
+          <p:cNvSpPr/>
           <p:nvPr/>
         </p:nvSpPr>
         <p:spPr>
           <a:xfrm>
             <a:off x="841320" y="503280"/>
-            <a:ext cx="10509120" cy="1974600"/>
+            <a:ext cx="10508400" cy="1973880"/>
           </a:xfrm>
           <a:prstGeom prst="rect">
             <a:avLst/>
@@ -4370,8 +3903,14 @@
             <a:noFill/>
           </a:ln>
         </p:spPr>
-        <p:txBody>
-          <a:bodyPr anchor="b">
+        <p:style>
+          <a:lnRef idx="0"/>
+          <a:fillRef idx="0"/>
+          <a:effectRef idx="0"/>
+          <a:fontRef idx="minor"/>
+        </p:style>
+        <p:txBody>
+          <a:bodyPr lIns="90000" rIns="90000" tIns="45000" bIns="45000" anchor="b">
             <a:normAutofit/>
           </a:bodyPr>
           <a:p>
@@ -4386,29 +3925,27 @@
                   <a:srgbClr val="000000"/>
                 </a:solidFill>
                 <a:latin typeface="Avenir Next LT Pro"/>
+                <a:ea typeface="DejaVu Sans"/>
               </a:rPr>
               <a:t>Prueba 1</a:t>
             </a:r>
             <a:br/>
             <a:endParaRPr b="0" lang="es-ES" sz="5400" spc="-1" strike="noStrike">
-              <a:solidFill>
-                <a:srgbClr val="000000"/>
-              </a:solidFill>
-              <a:latin typeface="Avenir Next LT Pro"/>
-            </a:endParaRPr>
-          </a:p>
-        </p:txBody>
-      </p:sp>
-      <p:sp>
-        <p:nvSpPr>
-          <p:cNvPr id="96" name="CustomShape 3"/>
+              <a:latin typeface="Arial"/>
+            </a:endParaRPr>
+          </a:p>
+        </p:txBody>
+      </p:sp>
+      <p:sp>
+        <p:nvSpPr>
+          <p:cNvPr id="90" name="CustomShape 3"/>
           <p:cNvSpPr/>
           <p:nvPr/>
         </p:nvSpPr>
         <p:spPr>
           <a:xfrm>
             <a:off x="842760" y="0"/>
-            <a:ext cx="10506240" cy="191160"/>
+            <a:ext cx="10505520" cy="190440"/>
           </a:xfrm>
           <a:prstGeom prst="rect">
             <a:avLst/>
@@ -4437,14 +3974,14 @@
       </p:sp>
       <p:sp>
         <p:nvSpPr>
-          <p:cNvPr id="97" name="CustomShape 4"/>
+          <p:cNvPr id="91" name="CustomShape 4"/>
           <p:cNvSpPr/>
           <p:nvPr/>
         </p:nvSpPr>
         <p:spPr>
           <a:xfrm>
             <a:off x="841320" y="2894040"/>
-            <a:ext cx="10506240" cy="18000"/>
+            <a:ext cx="10505520" cy="17280"/>
           </a:xfrm>
           <a:prstGeom prst="rect">
             <a:avLst/>
@@ -4476,14 +4013,14 @@
       </p:sp>
       <p:sp>
         <p:nvSpPr>
-          <p:cNvPr id="98" name="TextShape 5"/>
-          <p:cNvSpPr txBox="1"/>
+          <p:cNvPr id="92" name="CustomShape 5"/>
+          <p:cNvSpPr/>
           <p:nvPr/>
         </p:nvSpPr>
         <p:spPr>
           <a:xfrm>
             <a:off x="841320" y="3328560"/>
-            <a:ext cx="10509120" cy="2715480"/>
+            <a:ext cx="10508400" cy="2714760"/>
           </a:xfrm>
           <a:prstGeom prst="rect">
             <a:avLst/>
@@ -4493,8 +4030,14 @@
             <a:noFill/>
           </a:ln>
         </p:spPr>
-        <p:txBody>
-          <a:bodyPr>
+        <p:style>
+          <a:lnRef idx="0"/>
+          <a:fillRef idx="0"/>
+          <a:effectRef idx="0"/>
+          <a:fontRef idx="minor"/>
+        </p:style>
+        <p:txBody>
+          <a:bodyPr lIns="90000" rIns="90000" tIns="45000" bIns="45000">
             <a:normAutofit/>
           </a:bodyPr>
           <a:p>
@@ -4506,11 +4049,8 @@
                 <a:spcPts val="1001"/>
               </a:spcBef>
             </a:pPr>
-            <a:endParaRPr b="0" lang="es-ES" sz="2800" spc="-1" strike="noStrike">
-              <a:solidFill>
-                <a:srgbClr val="000000"/>
-              </a:solidFill>
-              <a:latin typeface="Avenir Next LT Pro"/>
+            <a:endParaRPr b="0" lang="es-ES" sz="1800" spc="-1" strike="noStrike">
+              <a:latin typeface="Arial"/>
             </a:endParaRPr>
           </a:p>
           <a:p>
@@ -4522,11 +4062,8 @@
                 <a:spcPts val="1001"/>
               </a:spcBef>
             </a:pPr>
-            <a:endParaRPr b="0" lang="es-ES" sz="2800" spc="-1" strike="noStrike">
-              <a:solidFill>
-                <a:srgbClr val="000000"/>
-              </a:solidFill>
-              <a:latin typeface="Avenir Next LT Pro"/>
+            <a:endParaRPr b="0" lang="es-ES" sz="1800" spc="-1" strike="noStrike">
+              <a:latin typeface="Arial"/>
             </a:endParaRPr>
           </a:p>
           <a:p>
@@ -4544,14 +4081,12 @@
                   <a:srgbClr val="000000"/>
                 </a:solidFill>
                 <a:latin typeface="Avenir Next LT Pro"/>
+                <a:ea typeface="DejaVu Sans"/>
               </a:rPr>
               <a:t>Las pruebas demuestran la presencia de defectos, no su ausencia</a:t>
             </a:r>
             <a:endParaRPr b="0" lang="es-ES" sz="3600" spc="-1" strike="noStrike">
-              <a:solidFill>
-                <a:srgbClr val="000000"/>
-              </a:solidFill>
-              <a:latin typeface="Avenir Next LT Pro"/>
+              <a:latin typeface="Arial"/>
             </a:endParaRPr>
           </a:p>
         </p:txBody>
@@ -4595,14 +4130,14 @@
       </p:grpSpPr>
       <p:sp>
         <p:nvSpPr>
-          <p:cNvPr id="99" name="CustomShape 1"/>
+          <p:cNvPr id="93" name="CustomShape 1"/>
           <p:cNvSpPr/>
           <p:nvPr/>
         </p:nvSpPr>
         <p:spPr>
           <a:xfrm>
             <a:off x="0" y="0"/>
-            <a:ext cx="12191760" cy="6857640"/>
+            <a:ext cx="12191040" cy="6856920"/>
           </a:xfrm>
           <a:prstGeom prst="rect">
             <a:avLst/>
@@ -4631,14 +4166,14 @@
       </p:sp>
       <p:sp>
         <p:nvSpPr>
-          <p:cNvPr id="100" name="TextShape 2"/>
-          <p:cNvSpPr txBox="1"/>
+          <p:cNvPr id="94" name="CustomShape 2"/>
+          <p:cNvSpPr/>
           <p:nvPr/>
         </p:nvSpPr>
         <p:spPr>
           <a:xfrm>
             <a:off x="841320" y="503280"/>
-            <a:ext cx="10509120" cy="1974600"/>
+            <a:ext cx="10508400" cy="1973880"/>
           </a:xfrm>
           <a:prstGeom prst="rect">
             <a:avLst/>
@@ -4648,9 +4183,15 @@
             <a:noFill/>
           </a:ln>
         </p:spPr>
-        <p:txBody>
-          <a:bodyPr anchor="b">
-            <a:normAutofit fontScale="76000"/>
+        <p:style>
+          <a:lnRef idx="0"/>
+          <a:fillRef idx="0"/>
+          <a:effectRef idx="0"/>
+          <a:fontRef idx="minor"/>
+        </p:style>
+        <p:txBody>
+          <a:bodyPr lIns="90000" rIns="90000" tIns="45000" bIns="45000" anchor="b">
+            <a:normAutofit/>
           </a:bodyPr>
           <a:p>
             <a:pPr algn="ctr">
@@ -4665,29 +4206,27 @@
                   <a:srgbClr val="000000"/>
                 </a:solidFill>
                 <a:latin typeface="Avenir Next LT Pro"/>
+                <a:ea typeface="DejaVu Sans"/>
               </a:rPr>
               <a:t>Prueba 2</a:t>
             </a:r>
             <a:br/>
             <a:endParaRPr b="0" lang="es-ES" sz="5400" spc="-1" strike="noStrike">
-              <a:solidFill>
-                <a:srgbClr val="000000"/>
-              </a:solidFill>
-              <a:latin typeface="Avenir Next LT Pro"/>
-            </a:endParaRPr>
-          </a:p>
-        </p:txBody>
-      </p:sp>
-      <p:sp>
-        <p:nvSpPr>
-          <p:cNvPr id="101" name="CustomShape 3"/>
+              <a:latin typeface="Arial"/>
+            </a:endParaRPr>
+          </a:p>
+        </p:txBody>
+      </p:sp>
+      <p:sp>
+        <p:nvSpPr>
+          <p:cNvPr id="95" name="CustomShape 3"/>
           <p:cNvSpPr/>
           <p:nvPr/>
         </p:nvSpPr>
         <p:spPr>
           <a:xfrm>
             <a:off x="842760" y="0"/>
-            <a:ext cx="10506240" cy="191160"/>
+            <a:ext cx="10505520" cy="190440"/>
           </a:xfrm>
           <a:prstGeom prst="rect">
             <a:avLst/>
@@ -4716,14 +4255,14 @@
       </p:sp>
       <p:sp>
         <p:nvSpPr>
-          <p:cNvPr id="102" name="CustomShape 4"/>
+          <p:cNvPr id="96" name="CustomShape 4"/>
           <p:cNvSpPr/>
           <p:nvPr/>
         </p:nvSpPr>
         <p:spPr>
           <a:xfrm>
             <a:off x="841320" y="2894040"/>
-            <a:ext cx="10506240" cy="18000"/>
+            <a:ext cx="10505520" cy="17280"/>
           </a:xfrm>
           <a:prstGeom prst="rect">
             <a:avLst/>
@@ -4755,14 +4294,14 @@
       </p:sp>
       <p:sp>
         <p:nvSpPr>
-          <p:cNvPr id="103" name="TextShape 5"/>
-          <p:cNvSpPr txBox="1"/>
+          <p:cNvPr id="97" name="CustomShape 5"/>
+          <p:cNvSpPr/>
           <p:nvPr/>
         </p:nvSpPr>
         <p:spPr>
           <a:xfrm>
             <a:off x="841320" y="3328560"/>
-            <a:ext cx="10509120" cy="2715480"/>
+            <a:ext cx="10508400" cy="2714760"/>
           </a:xfrm>
           <a:prstGeom prst="rect">
             <a:avLst/>
@@ -4772,8 +4311,14 @@
             <a:noFill/>
           </a:ln>
         </p:spPr>
-        <p:txBody>
-          <a:bodyPr>
+        <p:style>
+          <a:lnRef idx="0"/>
+          <a:fillRef idx="0"/>
+          <a:effectRef idx="0"/>
+          <a:fontRef idx="minor"/>
+        </p:style>
+        <p:txBody>
+          <a:bodyPr lIns="90000" rIns="90000" tIns="45000" bIns="45000">
             <a:normAutofit/>
           </a:bodyPr>
           <a:p>
@@ -4785,11 +4330,8 @@
                 <a:spcPts val="1001"/>
               </a:spcBef>
             </a:pPr>
-            <a:endParaRPr b="0" lang="es-ES" sz="2800" spc="-1" strike="noStrike">
-              <a:solidFill>
-                <a:srgbClr val="000000"/>
-              </a:solidFill>
-              <a:latin typeface="Avenir Next LT Pro"/>
+            <a:endParaRPr b="0" lang="es-ES" sz="1800" spc="-1" strike="noStrike">
+              <a:latin typeface="Arial"/>
             </a:endParaRPr>
           </a:p>
           <a:p>
@@ -4801,11 +4343,8 @@
                 <a:spcPts val="1001"/>
               </a:spcBef>
             </a:pPr>
-            <a:endParaRPr b="0" lang="es-ES" sz="2800" spc="-1" strike="noStrike">
-              <a:solidFill>
-                <a:srgbClr val="000000"/>
-              </a:solidFill>
-              <a:latin typeface="Avenir Next LT Pro"/>
+            <a:endParaRPr b="0" lang="es-ES" sz="1800" spc="-1" strike="noStrike">
+              <a:latin typeface="Arial"/>
             </a:endParaRPr>
           </a:p>
           <a:p>
@@ -4823,14 +4362,12 @@
                   <a:srgbClr val="000000"/>
                 </a:solidFill>
                 <a:latin typeface="Avenir Next LT Pro"/>
+                <a:ea typeface="DejaVu Sans"/>
               </a:rPr>
               <a:t>Las pruebas exhaustivas no existen</a:t>
             </a:r>
             <a:endParaRPr b="0" lang="es-ES" sz="3600" spc="-1" strike="noStrike">
-              <a:solidFill>
-                <a:srgbClr val="000000"/>
-              </a:solidFill>
-              <a:latin typeface="Avenir Next LT Pro"/>
+              <a:latin typeface="Arial"/>
             </a:endParaRPr>
           </a:p>
         </p:txBody>
@@ -4874,14 +4411,14 @@
       </p:grpSpPr>
       <p:sp>
         <p:nvSpPr>
-          <p:cNvPr id="104" name="CustomShape 1"/>
+          <p:cNvPr id="98" name="CustomShape 1"/>
           <p:cNvSpPr/>
           <p:nvPr/>
         </p:nvSpPr>
         <p:spPr>
           <a:xfrm>
             <a:off x="0" y="0"/>
-            <a:ext cx="12191760" cy="6857640"/>
+            <a:ext cx="12191040" cy="6856920"/>
           </a:xfrm>
           <a:prstGeom prst="rect">
             <a:avLst/>
@@ -4910,14 +4447,14 @@
       </p:sp>
       <p:sp>
         <p:nvSpPr>
-          <p:cNvPr id="105" name="TextShape 2"/>
-          <p:cNvSpPr txBox="1"/>
+          <p:cNvPr id="99" name="CustomShape 2"/>
+          <p:cNvSpPr/>
           <p:nvPr/>
         </p:nvSpPr>
         <p:spPr>
           <a:xfrm>
             <a:off x="841320" y="503280"/>
-            <a:ext cx="10509120" cy="1974600"/>
+            <a:ext cx="10508400" cy="1973880"/>
           </a:xfrm>
           <a:prstGeom prst="rect">
             <a:avLst/>
@@ -4927,9 +4464,15 @@
             <a:noFill/>
           </a:ln>
         </p:spPr>
-        <p:txBody>
-          <a:bodyPr anchor="b">
-            <a:normAutofit fontScale="76000"/>
+        <p:style>
+          <a:lnRef idx="0"/>
+          <a:fillRef idx="0"/>
+          <a:effectRef idx="0"/>
+          <a:fontRef idx="minor"/>
+        </p:style>
+        <p:txBody>
+          <a:bodyPr lIns="90000" rIns="90000" tIns="45000" bIns="45000" anchor="b">
+            <a:normAutofit/>
           </a:bodyPr>
           <a:p>
             <a:pPr algn="ctr">
@@ -4944,29 +4487,27 @@
                   <a:srgbClr val="000000"/>
                 </a:solidFill>
                 <a:latin typeface="Avenir Next LT Pro"/>
+                <a:ea typeface="DejaVu Sans"/>
               </a:rPr>
               <a:t>Prueba 3</a:t>
             </a:r>
             <a:br/>
             <a:endParaRPr b="0" lang="es-ES" sz="5400" spc="-1" strike="noStrike">
-              <a:solidFill>
-                <a:srgbClr val="000000"/>
-              </a:solidFill>
-              <a:latin typeface="Avenir Next LT Pro"/>
-            </a:endParaRPr>
-          </a:p>
-        </p:txBody>
-      </p:sp>
-      <p:sp>
-        <p:nvSpPr>
-          <p:cNvPr id="106" name="CustomShape 3"/>
+              <a:latin typeface="Arial"/>
+            </a:endParaRPr>
+          </a:p>
+        </p:txBody>
+      </p:sp>
+      <p:sp>
+        <p:nvSpPr>
+          <p:cNvPr id="100" name="CustomShape 3"/>
           <p:cNvSpPr/>
           <p:nvPr/>
         </p:nvSpPr>
         <p:spPr>
           <a:xfrm>
             <a:off x="842760" y="0"/>
-            <a:ext cx="10506240" cy="191160"/>
+            <a:ext cx="10505520" cy="190440"/>
           </a:xfrm>
           <a:prstGeom prst="rect">
             <a:avLst/>
@@ -4995,14 +4536,14 @@
       </p:sp>
       <p:sp>
         <p:nvSpPr>
-          <p:cNvPr id="107" name="CustomShape 4"/>
+          <p:cNvPr id="101" name="CustomShape 4"/>
           <p:cNvSpPr/>
           <p:nvPr/>
         </p:nvSpPr>
         <p:spPr>
           <a:xfrm>
             <a:off x="841320" y="2894040"/>
-            <a:ext cx="10506240" cy="18000"/>
+            <a:ext cx="10505520" cy="17280"/>
           </a:xfrm>
           <a:prstGeom prst="rect">
             <a:avLst/>
@@ -5034,14 +4575,14 @@
       </p:sp>
       <p:sp>
         <p:nvSpPr>
-          <p:cNvPr id="108" name="TextShape 5"/>
-          <p:cNvSpPr txBox="1"/>
+          <p:cNvPr id="102" name="CustomShape 5"/>
+          <p:cNvSpPr/>
           <p:nvPr/>
         </p:nvSpPr>
         <p:spPr>
           <a:xfrm>
             <a:off x="841320" y="3328560"/>
-            <a:ext cx="10509120" cy="2715480"/>
+            <a:ext cx="10508400" cy="2714760"/>
           </a:xfrm>
           <a:prstGeom prst="rect">
             <a:avLst/>
@@ -5051,8 +4592,14 @@
             <a:noFill/>
           </a:ln>
         </p:spPr>
-        <p:txBody>
-          <a:bodyPr>
+        <p:style>
+          <a:lnRef idx="0"/>
+          <a:fillRef idx="0"/>
+          <a:effectRef idx="0"/>
+          <a:fontRef idx="minor"/>
+        </p:style>
+        <p:txBody>
+          <a:bodyPr lIns="90000" rIns="90000" tIns="45000" bIns="45000">
             <a:normAutofit/>
           </a:bodyPr>
           <a:p>
@@ -5064,11 +4611,8 @@
                 <a:spcPts val="1001"/>
               </a:spcBef>
             </a:pPr>
-            <a:endParaRPr b="0" lang="es-ES" sz="2800" spc="-1" strike="noStrike">
-              <a:solidFill>
-                <a:srgbClr val="000000"/>
-              </a:solidFill>
-              <a:latin typeface="Avenir Next LT Pro"/>
+            <a:endParaRPr b="0" lang="es-ES" sz="1800" spc="-1" strike="noStrike">
+              <a:latin typeface="Arial"/>
             </a:endParaRPr>
           </a:p>
           <a:p>
@@ -5080,11 +4624,8 @@
                 <a:spcPts val="1001"/>
               </a:spcBef>
             </a:pPr>
-            <a:endParaRPr b="0" lang="es-ES" sz="2800" spc="-1" strike="noStrike">
-              <a:solidFill>
-                <a:srgbClr val="000000"/>
-              </a:solidFill>
-              <a:latin typeface="Avenir Next LT Pro"/>
+            <a:endParaRPr b="0" lang="es-ES" sz="1800" spc="-1" strike="noStrike">
+              <a:latin typeface="Arial"/>
             </a:endParaRPr>
           </a:p>
           <a:p>
@@ -5102,14 +4643,12 @@
                   <a:srgbClr val="000000"/>
                 </a:solidFill>
                 <a:latin typeface="Avenir Next LT Pro"/>
+                <a:ea typeface="DejaVu Sans"/>
               </a:rPr>
               <a:t>Las pruebas tempranas ahorran tiempo y dinero</a:t>
             </a:r>
             <a:endParaRPr b="0" lang="es-ES" sz="3600" spc="-1" strike="noStrike">
-              <a:solidFill>
-                <a:srgbClr val="000000"/>
-              </a:solidFill>
-              <a:latin typeface="Avenir Next LT Pro"/>
+              <a:latin typeface="Arial"/>
             </a:endParaRPr>
           </a:p>
         </p:txBody>
@@ -5153,14 +4692,14 @@
       </p:grpSpPr>
       <p:sp>
         <p:nvSpPr>
-          <p:cNvPr id="109" name="CustomShape 1"/>
+          <p:cNvPr id="103" name="CustomShape 1"/>
           <p:cNvSpPr/>
           <p:nvPr/>
         </p:nvSpPr>
         <p:spPr>
           <a:xfrm>
             <a:off x="0" y="0"/>
-            <a:ext cx="12191760" cy="6857640"/>
+            <a:ext cx="12191040" cy="6856920"/>
           </a:xfrm>
           <a:prstGeom prst="rect">
             <a:avLst/>
@@ -5189,14 +4728,14 @@
       </p:sp>
       <p:sp>
         <p:nvSpPr>
-          <p:cNvPr id="110" name="TextShape 2"/>
-          <p:cNvSpPr txBox="1"/>
+          <p:cNvPr id="104" name="CustomShape 2"/>
+          <p:cNvSpPr/>
           <p:nvPr/>
         </p:nvSpPr>
         <p:spPr>
           <a:xfrm>
             <a:off x="841320" y="503280"/>
-            <a:ext cx="10509120" cy="1974600"/>
+            <a:ext cx="10508400" cy="1973880"/>
           </a:xfrm>
           <a:prstGeom prst="rect">
             <a:avLst/>
@@ -5206,8 +4745,14 @@
             <a:noFill/>
           </a:ln>
         </p:spPr>
-        <p:txBody>
-          <a:bodyPr anchor="b">
+        <p:style>
+          <a:lnRef idx="0"/>
+          <a:fillRef idx="0"/>
+          <a:effectRef idx="0"/>
+          <a:fontRef idx="minor"/>
+        </p:style>
+        <p:txBody>
+          <a:bodyPr lIns="90000" rIns="90000" tIns="45000" bIns="45000" anchor="b">
             <a:normAutofit/>
           </a:bodyPr>
           <a:p>
@@ -5222,29 +4767,27 @@
                   <a:srgbClr val="000000"/>
                 </a:solidFill>
                 <a:latin typeface="Avenir Next LT Pro"/>
+                <a:ea typeface="DejaVu Sans"/>
               </a:rPr>
               <a:t>Prueba 4</a:t>
             </a:r>
             <a:br/>
             <a:endParaRPr b="0" lang="es-ES" sz="5400" spc="-1" strike="noStrike">
-              <a:solidFill>
-                <a:srgbClr val="000000"/>
-              </a:solidFill>
-              <a:latin typeface="Avenir Next LT Pro"/>
-            </a:endParaRPr>
-          </a:p>
-        </p:txBody>
-      </p:sp>
-      <p:sp>
-        <p:nvSpPr>
-          <p:cNvPr id="111" name="CustomShape 3"/>
+              <a:latin typeface="Arial"/>
+            </a:endParaRPr>
+          </a:p>
+        </p:txBody>
+      </p:sp>
+      <p:sp>
+        <p:nvSpPr>
+          <p:cNvPr id="105" name="CustomShape 3"/>
           <p:cNvSpPr/>
           <p:nvPr/>
         </p:nvSpPr>
         <p:spPr>
           <a:xfrm>
             <a:off x="842760" y="0"/>
-            <a:ext cx="10506240" cy="191160"/>
+            <a:ext cx="10505520" cy="190440"/>
           </a:xfrm>
           <a:prstGeom prst="rect">
             <a:avLst/>
@@ -5273,14 +4816,14 @@
       </p:sp>
       <p:sp>
         <p:nvSpPr>
-          <p:cNvPr id="112" name="CustomShape 4"/>
+          <p:cNvPr id="106" name="CustomShape 4"/>
           <p:cNvSpPr/>
           <p:nvPr/>
         </p:nvSpPr>
         <p:spPr>
           <a:xfrm>
             <a:off x="841320" y="2894040"/>
-            <a:ext cx="10506240" cy="18000"/>
+            <a:ext cx="10505520" cy="17280"/>
           </a:xfrm>
           <a:prstGeom prst="rect">
             <a:avLst/>
@@ -5312,14 +4855,14 @@
       </p:sp>
       <p:sp>
         <p:nvSpPr>
-          <p:cNvPr id="113" name="TextShape 5"/>
-          <p:cNvSpPr txBox="1"/>
+          <p:cNvPr id="107" name="CustomShape 5"/>
+          <p:cNvSpPr/>
           <p:nvPr/>
         </p:nvSpPr>
         <p:spPr>
           <a:xfrm>
             <a:off x="841320" y="3328560"/>
-            <a:ext cx="10509120" cy="2715480"/>
+            <a:ext cx="10508400" cy="2714760"/>
           </a:xfrm>
           <a:prstGeom prst="rect">
             <a:avLst/>
@@ -5329,8 +4872,14 @@
             <a:noFill/>
           </a:ln>
         </p:spPr>
-        <p:txBody>
-          <a:bodyPr>
+        <p:style>
+          <a:lnRef idx="0"/>
+          <a:fillRef idx="0"/>
+          <a:effectRef idx="0"/>
+          <a:fontRef idx="minor"/>
+        </p:style>
+        <p:txBody>
+          <a:bodyPr lIns="90000" rIns="90000" tIns="45000" bIns="45000">
             <a:normAutofit/>
           </a:bodyPr>
           <a:p>
@@ -5342,11 +4891,8 @@
                 <a:spcPts val="1001"/>
               </a:spcBef>
             </a:pPr>
-            <a:endParaRPr b="0" lang="es-ES" sz="2800" spc="-1" strike="noStrike">
-              <a:solidFill>
-                <a:srgbClr val="000000"/>
-              </a:solidFill>
-              <a:latin typeface="Avenir Next LT Pro"/>
+            <a:endParaRPr b="0" lang="es-ES" sz="1800" spc="-1" strike="noStrike">
+              <a:latin typeface="Arial"/>
             </a:endParaRPr>
           </a:p>
           <a:p>
@@ -5364,14 +4910,12 @@
                   <a:srgbClr val="000000"/>
                 </a:solidFill>
                 <a:latin typeface="Avenir Next LT Pro"/>
+                <a:ea typeface="DejaVu Sans"/>
               </a:rPr>
-              <a:t>Consiste en la agrupación de defectos</a:t>
+              <a:t>Centrarse en la parte del código con mas errores primero</a:t>
             </a:r>
             <a:endParaRPr b="0" lang="es-ES" sz="3600" spc="-1" strike="noStrike">
-              <a:solidFill>
-                <a:srgbClr val="000000"/>
-              </a:solidFill>
-              <a:latin typeface="Avenir Next LT Pro"/>
+              <a:latin typeface="Arial"/>
             </a:endParaRPr>
           </a:p>
         </p:txBody>
@@ -5415,14 +4959,14 @@
       </p:grpSpPr>
       <p:sp>
         <p:nvSpPr>
-          <p:cNvPr id="114" name="CustomShape 1"/>
+          <p:cNvPr id="108" name="CustomShape 1"/>
           <p:cNvSpPr/>
           <p:nvPr/>
         </p:nvSpPr>
         <p:spPr>
           <a:xfrm>
             <a:off x="0" y="0"/>
-            <a:ext cx="12191760" cy="6857640"/>
+            <a:ext cx="12191040" cy="6856920"/>
           </a:xfrm>
           <a:prstGeom prst="rect">
             <a:avLst/>
@@ -5451,14 +4995,14 @@
       </p:sp>
       <p:sp>
         <p:nvSpPr>
-          <p:cNvPr id="115" name="TextShape 2"/>
-          <p:cNvSpPr txBox="1"/>
+          <p:cNvPr id="109" name="CustomShape 2"/>
+          <p:cNvSpPr/>
           <p:nvPr/>
         </p:nvSpPr>
         <p:spPr>
           <a:xfrm>
             <a:off x="841320" y="503280"/>
-            <a:ext cx="10509120" cy="1974600"/>
+            <a:ext cx="10508400" cy="1973880"/>
           </a:xfrm>
           <a:prstGeom prst="rect">
             <a:avLst/>
@@ -5468,8 +5012,14 @@
             <a:noFill/>
           </a:ln>
         </p:spPr>
-        <p:txBody>
-          <a:bodyPr anchor="b">
+        <p:style>
+          <a:lnRef idx="0"/>
+          <a:fillRef idx="0"/>
+          <a:effectRef idx="0"/>
+          <a:fontRef idx="minor"/>
+        </p:style>
+        <p:txBody>
+          <a:bodyPr lIns="90000" rIns="90000" tIns="45000" bIns="45000" anchor="b">
             <a:normAutofit/>
           </a:bodyPr>
           <a:p>
@@ -5484,29 +5034,27 @@
                   <a:srgbClr val="000000"/>
                 </a:solidFill>
                 <a:latin typeface="Avenir Next LT Pro"/>
+                <a:ea typeface="DejaVu Sans"/>
               </a:rPr>
               <a:t>Prueba 5</a:t>
             </a:r>
             <a:br/>
             <a:endParaRPr b="0" lang="es-ES" sz="5400" spc="-1" strike="noStrike">
-              <a:solidFill>
-                <a:srgbClr val="000000"/>
-              </a:solidFill>
-              <a:latin typeface="Avenir Next LT Pro"/>
-            </a:endParaRPr>
-          </a:p>
-        </p:txBody>
-      </p:sp>
-      <p:sp>
-        <p:nvSpPr>
-          <p:cNvPr id="116" name="CustomShape 3"/>
+              <a:latin typeface="Arial"/>
+            </a:endParaRPr>
+          </a:p>
+        </p:txBody>
+      </p:sp>
+      <p:sp>
+        <p:nvSpPr>
+          <p:cNvPr id="110" name="CustomShape 3"/>
           <p:cNvSpPr/>
           <p:nvPr/>
         </p:nvSpPr>
         <p:spPr>
           <a:xfrm>
             <a:off x="842760" y="0"/>
-            <a:ext cx="10506240" cy="191160"/>
+            <a:ext cx="10505520" cy="190440"/>
           </a:xfrm>
           <a:prstGeom prst="rect">
             <a:avLst/>
@@ -5535,14 +5083,14 @@
       </p:sp>
       <p:sp>
         <p:nvSpPr>
-          <p:cNvPr id="117" name="CustomShape 4"/>
+          <p:cNvPr id="111" name="CustomShape 4"/>
           <p:cNvSpPr/>
           <p:nvPr/>
         </p:nvSpPr>
         <p:spPr>
           <a:xfrm>
             <a:off x="841320" y="2894040"/>
-            <a:ext cx="10506240" cy="18000"/>
+            <a:ext cx="10505520" cy="17280"/>
           </a:xfrm>
           <a:prstGeom prst="rect">
             <a:avLst/>
@@ -5574,14 +5122,14 @@
       </p:sp>
       <p:sp>
         <p:nvSpPr>
-          <p:cNvPr id="118" name="TextShape 5"/>
-          <p:cNvSpPr txBox="1"/>
+          <p:cNvPr id="112" name="CustomShape 5"/>
+          <p:cNvSpPr/>
           <p:nvPr/>
         </p:nvSpPr>
         <p:spPr>
           <a:xfrm>
             <a:off x="841320" y="3328560"/>
-            <a:ext cx="10509120" cy="2715480"/>
+            <a:ext cx="10508400" cy="2714760"/>
           </a:xfrm>
           <a:prstGeom prst="rect">
             <a:avLst/>
@@ -5591,8 +5139,14 @@
             <a:noFill/>
           </a:ln>
         </p:spPr>
-        <p:txBody>
-          <a:bodyPr>
+        <p:style>
+          <a:lnRef idx="0"/>
+          <a:fillRef idx="0"/>
+          <a:effectRef idx="0"/>
+          <a:fontRef idx="minor"/>
+        </p:style>
+        <p:txBody>
+          <a:bodyPr lIns="90000" rIns="90000" tIns="45000" bIns="45000">
             <a:normAutofit/>
           </a:bodyPr>
           <a:p>
@@ -5604,11 +5158,8 @@
                 <a:spcPts val="1001"/>
               </a:spcBef>
             </a:pPr>
-            <a:endParaRPr b="0" lang="es-ES" sz="2800" spc="-1" strike="noStrike">
-              <a:solidFill>
-                <a:srgbClr val="000000"/>
-              </a:solidFill>
-              <a:latin typeface="Avenir Next LT Pro"/>
+            <a:endParaRPr b="0" lang="es-ES" sz="1800" spc="-1" strike="noStrike">
+              <a:latin typeface="Arial"/>
             </a:endParaRPr>
           </a:p>
           <a:p>
@@ -5626,23 +5177,12 @@
                   <a:srgbClr val="000000"/>
                 </a:solidFill>
                 <a:latin typeface="Avenir Next LT Pro"/>
+                <a:ea typeface="DejaVu Sans"/>
               </a:rPr>
-              <a:t>Tener cuidado con la paradoja de los pesticidas </a:t>
-            </a:r>
-            <a:r>
-              <a:rPr b="0" lang="es-ES" sz="3600" spc="-1" strike="noStrike">
-                <a:solidFill>
-                  <a:srgbClr val="000000"/>
-                </a:solidFill>
-                <a:latin typeface="Avenir Next LT Pro"/>
-              </a:rPr>
-              <a:t>(no hacer siempre lo mismo)</a:t>
+              <a:t>Tener cuidado con la paradoja de los pesticidas (no hacer siempre lo mismo)</a:t>
             </a:r>
             <a:endParaRPr b="0" lang="es-ES" sz="3600" spc="-1" strike="noStrike">
-              <a:solidFill>
-                <a:srgbClr val="000000"/>
-              </a:solidFill>
-              <a:latin typeface="Avenir Next LT Pro"/>
+              <a:latin typeface="Arial"/>
             </a:endParaRPr>
           </a:p>
         </p:txBody>
@@ -5686,14 +5226,14 @@
       </p:grpSpPr>
       <p:sp>
         <p:nvSpPr>
-          <p:cNvPr id="119" name="CustomShape 1"/>
+          <p:cNvPr id="113" name="CustomShape 1"/>
           <p:cNvSpPr/>
           <p:nvPr/>
         </p:nvSpPr>
         <p:spPr>
           <a:xfrm>
             <a:off x="0" y="0"/>
-            <a:ext cx="12191760" cy="6857640"/>
+            <a:ext cx="12191040" cy="6856920"/>
           </a:xfrm>
           <a:prstGeom prst="rect">
             <a:avLst/>
@@ -5722,14 +5262,14 @@
       </p:sp>
       <p:sp>
         <p:nvSpPr>
-          <p:cNvPr id="120" name="TextShape 2"/>
-          <p:cNvSpPr txBox="1"/>
+          <p:cNvPr id="114" name="CustomShape 2"/>
+          <p:cNvSpPr/>
           <p:nvPr/>
         </p:nvSpPr>
         <p:spPr>
           <a:xfrm>
             <a:off x="841320" y="503280"/>
-            <a:ext cx="10509120" cy="1974600"/>
+            <a:ext cx="10508400" cy="1973880"/>
           </a:xfrm>
           <a:prstGeom prst="rect">
             <a:avLst/>
@@ -5739,9 +5279,15 @@
             <a:noFill/>
           </a:ln>
         </p:spPr>
-        <p:txBody>
-          <a:bodyPr anchor="b">
-            <a:normAutofit fontScale="76000"/>
+        <p:style>
+          <a:lnRef idx="0"/>
+          <a:fillRef idx="0"/>
+          <a:effectRef idx="0"/>
+          <a:fontRef idx="minor"/>
+        </p:style>
+        <p:txBody>
+          <a:bodyPr lIns="90000" rIns="90000" tIns="45000" bIns="45000" anchor="b">
+            <a:normAutofit/>
           </a:bodyPr>
           <a:p>
             <a:pPr algn="ctr">
@@ -5756,29 +5302,27 @@
                   <a:srgbClr val="000000"/>
                 </a:solidFill>
                 <a:latin typeface="Avenir Next LT Pro"/>
+                <a:ea typeface="DejaVu Sans"/>
               </a:rPr>
               <a:t>Prueba 6</a:t>
             </a:r>
             <a:br/>
             <a:endParaRPr b="0" lang="es-ES" sz="5400" spc="-1" strike="noStrike">
-              <a:solidFill>
-                <a:srgbClr val="000000"/>
-              </a:solidFill>
-              <a:latin typeface="Avenir Next LT Pro"/>
-            </a:endParaRPr>
-          </a:p>
-        </p:txBody>
-      </p:sp>
-      <p:sp>
-        <p:nvSpPr>
-          <p:cNvPr id="121" name="CustomShape 3"/>
+              <a:latin typeface="Arial"/>
+            </a:endParaRPr>
+          </a:p>
+        </p:txBody>
+      </p:sp>
+      <p:sp>
+        <p:nvSpPr>
+          <p:cNvPr id="115" name="CustomShape 3"/>
           <p:cNvSpPr/>
           <p:nvPr/>
         </p:nvSpPr>
         <p:spPr>
           <a:xfrm>
             <a:off x="842760" y="0"/>
-            <a:ext cx="10506240" cy="191160"/>
+            <a:ext cx="10505520" cy="190440"/>
           </a:xfrm>
           <a:prstGeom prst="rect">
             <a:avLst/>
@@ -5807,14 +5351,14 @@
       </p:sp>
       <p:sp>
         <p:nvSpPr>
-          <p:cNvPr id="122" name="CustomShape 4"/>
+          <p:cNvPr id="116" name="CustomShape 4"/>
           <p:cNvSpPr/>
           <p:nvPr/>
         </p:nvSpPr>
         <p:spPr>
           <a:xfrm>
             <a:off x="841320" y="2894040"/>
-            <a:ext cx="10506240" cy="18000"/>
+            <a:ext cx="10505520" cy="17280"/>
           </a:xfrm>
           <a:prstGeom prst="rect">
             <a:avLst/>
@@ -5846,14 +5390,14 @@
       </p:sp>
       <p:sp>
         <p:nvSpPr>
-          <p:cNvPr id="123" name="TextShape 5"/>
-          <p:cNvSpPr txBox="1"/>
+          <p:cNvPr id="117" name="CustomShape 5"/>
+          <p:cNvSpPr/>
           <p:nvPr/>
         </p:nvSpPr>
         <p:spPr>
           <a:xfrm>
             <a:off x="841320" y="3328560"/>
-            <a:ext cx="10509120" cy="2715480"/>
+            <a:ext cx="10508400" cy="2714760"/>
           </a:xfrm>
           <a:prstGeom prst="rect">
             <a:avLst/>
@@ -5863,8 +5407,14 @@
             <a:noFill/>
           </a:ln>
         </p:spPr>
-        <p:txBody>
-          <a:bodyPr>
+        <p:style>
+          <a:lnRef idx="0"/>
+          <a:fillRef idx="0"/>
+          <a:effectRef idx="0"/>
+          <a:fontRef idx="minor"/>
+        </p:style>
+        <p:txBody>
+          <a:bodyPr lIns="90000" rIns="90000" tIns="45000" bIns="45000">
             <a:normAutofit/>
           </a:bodyPr>
           <a:p>
@@ -5876,11 +5426,8 @@
                 <a:spcPts val="1001"/>
               </a:spcBef>
             </a:pPr>
-            <a:endParaRPr b="0" lang="es-ES" sz="2800" spc="-1" strike="noStrike">
-              <a:solidFill>
-                <a:srgbClr val="000000"/>
-              </a:solidFill>
-              <a:latin typeface="Avenir Next LT Pro"/>
+            <a:endParaRPr b="0" lang="es-ES" sz="1800" spc="-1" strike="noStrike">
+              <a:latin typeface="Arial"/>
             </a:endParaRPr>
           </a:p>
           <a:p>
@@ -5898,14 +5445,12 @@
                   <a:srgbClr val="000000"/>
                 </a:solidFill>
                 <a:latin typeface="Avenir Next LT Pro"/>
+                <a:ea typeface="DejaVu Sans"/>
               </a:rPr>
               <a:t>Las pruebas dependen del contexto</a:t>
             </a:r>
             <a:endParaRPr b="0" lang="es-ES" sz="3600" spc="-1" strike="noStrike">
-              <a:solidFill>
-                <a:srgbClr val="000000"/>
-              </a:solidFill>
-              <a:latin typeface="Avenir Next LT Pro"/>
+              <a:latin typeface="Arial"/>
             </a:endParaRPr>
           </a:p>
         </p:txBody>
@@ -5949,14 +5494,14 @@
       </p:grpSpPr>
       <p:sp>
         <p:nvSpPr>
-          <p:cNvPr id="124" name="CustomShape 1"/>
+          <p:cNvPr id="118" name="CustomShape 1"/>
           <p:cNvSpPr/>
           <p:nvPr/>
         </p:nvSpPr>
         <p:spPr>
           <a:xfrm>
             <a:off x="0" y="0"/>
-            <a:ext cx="12191760" cy="6857640"/>
+            <a:ext cx="12191040" cy="6856920"/>
           </a:xfrm>
           <a:prstGeom prst="rect">
             <a:avLst/>
@@ -5985,14 +5530,14 @@
       </p:sp>
       <p:sp>
         <p:nvSpPr>
-          <p:cNvPr id="125" name="TextShape 2"/>
-          <p:cNvSpPr txBox="1"/>
+          <p:cNvPr id="119" name="CustomShape 2"/>
+          <p:cNvSpPr/>
           <p:nvPr/>
         </p:nvSpPr>
         <p:spPr>
           <a:xfrm>
             <a:off x="841320" y="503280"/>
-            <a:ext cx="10509120" cy="1974600"/>
+            <a:ext cx="10508400" cy="1973880"/>
           </a:xfrm>
           <a:prstGeom prst="rect">
             <a:avLst/>
@@ -6002,8 +5547,14 @@
             <a:noFill/>
           </a:ln>
         </p:spPr>
-        <p:txBody>
-          <a:bodyPr anchor="b">
+        <p:style>
+          <a:lnRef idx="0"/>
+          <a:fillRef idx="0"/>
+          <a:effectRef idx="0"/>
+          <a:fontRef idx="minor"/>
+        </p:style>
+        <p:txBody>
+          <a:bodyPr lIns="90000" rIns="90000" tIns="45000" bIns="45000" anchor="b">
             <a:normAutofit/>
           </a:bodyPr>
           <a:p>
@@ -6018,29 +5569,27 @@
                   <a:srgbClr val="000000"/>
                 </a:solidFill>
                 <a:latin typeface="Avenir Next LT Pro"/>
+                <a:ea typeface="DejaVu Sans"/>
               </a:rPr>
               <a:t>Prueba 7</a:t>
             </a:r>
             <a:br/>
             <a:endParaRPr b="0" lang="es-ES" sz="5400" spc="-1" strike="noStrike">
-              <a:solidFill>
-                <a:srgbClr val="000000"/>
-              </a:solidFill>
-              <a:latin typeface="Avenir Next LT Pro"/>
-            </a:endParaRPr>
-          </a:p>
-        </p:txBody>
-      </p:sp>
-      <p:sp>
-        <p:nvSpPr>
-          <p:cNvPr id="126" name="CustomShape 3"/>
+              <a:latin typeface="Arial"/>
+            </a:endParaRPr>
+          </a:p>
+        </p:txBody>
+      </p:sp>
+      <p:sp>
+        <p:nvSpPr>
+          <p:cNvPr id="120" name="CustomShape 3"/>
           <p:cNvSpPr/>
           <p:nvPr/>
         </p:nvSpPr>
         <p:spPr>
           <a:xfrm>
             <a:off x="842760" y="0"/>
-            <a:ext cx="10506240" cy="191160"/>
+            <a:ext cx="10505520" cy="190440"/>
           </a:xfrm>
           <a:prstGeom prst="rect">
             <a:avLst/>
@@ -6069,14 +5618,14 @@
       </p:sp>
       <p:sp>
         <p:nvSpPr>
-          <p:cNvPr id="127" name="CustomShape 4"/>
+          <p:cNvPr id="121" name="CustomShape 4"/>
           <p:cNvSpPr/>
           <p:nvPr/>
         </p:nvSpPr>
         <p:spPr>
           <a:xfrm>
             <a:off x="841320" y="2894040"/>
-            <a:ext cx="10506240" cy="18000"/>
+            <a:ext cx="10505520" cy="17280"/>
           </a:xfrm>
           <a:prstGeom prst="rect">
             <a:avLst/>
@@ -6108,14 +5657,14 @@
       </p:sp>
       <p:sp>
         <p:nvSpPr>
-          <p:cNvPr id="128" name="TextShape 5"/>
-          <p:cNvSpPr txBox="1"/>
+          <p:cNvPr id="122" name="CustomShape 5"/>
+          <p:cNvSpPr/>
           <p:nvPr/>
         </p:nvSpPr>
         <p:spPr>
           <a:xfrm>
             <a:off x="841320" y="3328560"/>
-            <a:ext cx="10509120" cy="2715480"/>
+            <a:ext cx="10508400" cy="2714760"/>
           </a:xfrm>
           <a:prstGeom prst="rect">
             <a:avLst/>
@@ -6125,8 +5674,14 @@
             <a:noFill/>
           </a:ln>
         </p:spPr>
-        <p:txBody>
-          <a:bodyPr>
+        <p:style>
+          <a:lnRef idx="0"/>
+          <a:fillRef idx="0"/>
+          <a:effectRef idx="0"/>
+          <a:fontRef idx="minor"/>
+        </p:style>
+        <p:txBody>
+          <a:bodyPr lIns="90000" rIns="90000" tIns="45000" bIns="45000">
             <a:normAutofit/>
           </a:bodyPr>
           <a:p>
@@ -6138,11 +5693,8 @@
                 <a:spcPts val="1001"/>
               </a:spcBef>
             </a:pPr>
-            <a:endParaRPr b="0" lang="es-ES" sz="2800" spc="-1" strike="noStrike">
-              <a:solidFill>
-                <a:srgbClr val="000000"/>
-              </a:solidFill>
-              <a:latin typeface="Avenir Next LT Pro"/>
+            <a:endParaRPr b="0" lang="es-ES" sz="1800" spc="-1" strike="noStrike">
+              <a:latin typeface="Arial"/>
             </a:endParaRPr>
           </a:p>
           <a:p>
@@ -6160,14 +5712,25 @@
                   <a:srgbClr val="000000"/>
                 </a:solidFill>
                 <a:latin typeface="Avenir Next LT Pro"/>
+                <a:ea typeface="DejaVu Sans"/>
               </a:rPr>
-              <a:t>Falacia de ausencia de errores</a:t>
+              <a:t>Falacia de ausencia de errores:</a:t>
             </a:r>
             <a:endParaRPr b="0" lang="es-ES" sz="3600" spc="-1" strike="noStrike">
-              <a:solidFill>
-                <a:srgbClr val="000000"/>
-              </a:solidFill>
-              <a:latin typeface="Avenir Next LT Pro"/>
+              <a:latin typeface="Arial"/>
+            </a:endParaRPr>
+          </a:p>
+          <a:p>
+            <a:pPr algn="ctr">
+              <a:lnSpc>
+                <a:spcPct val="110000"/>
+              </a:lnSpc>
+              <a:spcBef>
+                <a:spcPts val="1001"/>
+              </a:spcBef>
+            </a:pPr>
+            <a:endParaRPr b="0" lang="es-ES" sz="3600" spc="-1" strike="noStrike">
+              <a:latin typeface="Arial"/>
             </a:endParaRPr>
           </a:p>
         </p:txBody>
